--- a/Rasp_data.pptx
+++ b/Rasp_data.pptx
@@ -14,9 +14,8 @@
     <p:sldId id="262" r:id="rId8"/>
     <p:sldId id="263" r:id="rId9"/>
     <p:sldId id="264" r:id="rId10"/>
-    <p:sldId id="265" r:id="rId11"/>
-    <p:sldId id="266" r:id="rId12"/>
-    <p:sldId id="267" r:id="rId13"/>
+    <p:sldId id="266" r:id="rId11"/>
+    <p:sldId id="267" r:id="rId12"/>
   </p:sldIdLst>
   <p:sldSz cx="12192000" cy="6858000"/>
   <p:notesSz cx="6858000" cy="9144000"/>
@@ -270,7 +269,7 @@
           <a:p>
             <a:fld id="{7030A974-6B4E-4CB3-BD0C-54D58FE96545}" type="datetimeFigureOut">
               <a:rPr lang="ko-KR" altLang="en-US" smtClean="0"/>
-              <a:t>2018-09-08</a:t>
+              <a:t>2018-09-13</a:t>
             </a:fld>
             <a:endParaRPr lang="ko-KR" altLang="en-US"/>
           </a:p>
@@ -468,7 +467,7 @@
           <a:p>
             <a:fld id="{7030A974-6B4E-4CB3-BD0C-54D58FE96545}" type="datetimeFigureOut">
               <a:rPr lang="ko-KR" altLang="en-US" smtClean="0"/>
-              <a:t>2018-09-08</a:t>
+              <a:t>2018-09-13</a:t>
             </a:fld>
             <a:endParaRPr lang="ko-KR" altLang="en-US"/>
           </a:p>
@@ -676,7 +675,7 @@
           <a:p>
             <a:fld id="{7030A974-6B4E-4CB3-BD0C-54D58FE96545}" type="datetimeFigureOut">
               <a:rPr lang="ko-KR" altLang="en-US" smtClean="0"/>
-              <a:t>2018-09-08</a:t>
+              <a:t>2018-09-13</a:t>
             </a:fld>
             <a:endParaRPr lang="ko-KR" altLang="en-US"/>
           </a:p>
@@ -874,7 +873,7 @@
           <a:p>
             <a:fld id="{7030A974-6B4E-4CB3-BD0C-54D58FE96545}" type="datetimeFigureOut">
               <a:rPr lang="ko-KR" altLang="en-US" smtClean="0"/>
-              <a:t>2018-09-08</a:t>
+              <a:t>2018-09-13</a:t>
             </a:fld>
             <a:endParaRPr lang="ko-KR" altLang="en-US"/>
           </a:p>
@@ -1149,7 +1148,7 @@
           <a:p>
             <a:fld id="{7030A974-6B4E-4CB3-BD0C-54D58FE96545}" type="datetimeFigureOut">
               <a:rPr lang="ko-KR" altLang="en-US" smtClean="0"/>
-              <a:t>2018-09-08</a:t>
+              <a:t>2018-09-13</a:t>
             </a:fld>
             <a:endParaRPr lang="ko-KR" altLang="en-US"/>
           </a:p>
@@ -1414,7 +1413,7 @@
           <a:p>
             <a:fld id="{7030A974-6B4E-4CB3-BD0C-54D58FE96545}" type="datetimeFigureOut">
               <a:rPr lang="ko-KR" altLang="en-US" smtClean="0"/>
-              <a:t>2018-09-08</a:t>
+              <a:t>2018-09-13</a:t>
             </a:fld>
             <a:endParaRPr lang="ko-KR" altLang="en-US"/>
           </a:p>
@@ -1826,7 +1825,7 @@
           <a:p>
             <a:fld id="{7030A974-6B4E-4CB3-BD0C-54D58FE96545}" type="datetimeFigureOut">
               <a:rPr lang="ko-KR" altLang="en-US" smtClean="0"/>
-              <a:t>2018-09-08</a:t>
+              <a:t>2018-09-13</a:t>
             </a:fld>
             <a:endParaRPr lang="ko-KR" altLang="en-US"/>
           </a:p>
@@ -1967,7 +1966,7 @@
           <a:p>
             <a:fld id="{7030A974-6B4E-4CB3-BD0C-54D58FE96545}" type="datetimeFigureOut">
               <a:rPr lang="ko-KR" altLang="en-US" smtClean="0"/>
-              <a:t>2018-09-08</a:t>
+              <a:t>2018-09-13</a:t>
             </a:fld>
             <a:endParaRPr lang="ko-KR" altLang="en-US"/>
           </a:p>
@@ -2080,7 +2079,7 @@
           <a:p>
             <a:fld id="{7030A974-6B4E-4CB3-BD0C-54D58FE96545}" type="datetimeFigureOut">
               <a:rPr lang="ko-KR" altLang="en-US" smtClean="0"/>
-              <a:t>2018-09-08</a:t>
+              <a:t>2018-09-13</a:t>
             </a:fld>
             <a:endParaRPr lang="ko-KR" altLang="en-US"/>
           </a:p>
@@ -2391,7 +2390,7 @@
           <a:p>
             <a:fld id="{7030A974-6B4E-4CB3-BD0C-54D58FE96545}" type="datetimeFigureOut">
               <a:rPr lang="ko-KR" altLang="en-US" smtClean="0"/>
-              <a:t>2018-09-08</a:t>
+              <a:t>2018-09-13</a:t>
             </a:fld>
             <a:endParaRPr lang="ko-KR" altLang="en-US"/>
           </a:p>
@@ -2679,7 +2678,7 @@
           <a:p>
             <a:fld id="{7030A974-6B4E-4CB3-BD0C-54D58FE96545}" type="datetimeFigureOut">
               <a:rPr lang="ko-KR" altLang="en-US" smtClean="0"/>
-              <a:t>2018-09-08</a:t>
+              <a:t>2018-09-13</a:t>
             </a:fld>
             <a:endParaRPr lang="ko-KR" altLang="en-US"/>
           </a:p>
@@ -2920,7 +2919,7 @@
           <a:p>
             <a:fld id="{7030A974-6B4E-4CB3-BD0C-54D58FE96545}" type="datetimeFigureOut">
               <a:rPr lang="ko-KR" altLang="en-US" smtClean="0"/>
-              <a:t>2018-09-08</a:t>
+              <a:t>2018-09-13</a:t>
             </a:fld>
             <a:endParaRPr lang="ko-KR" altLang="en-US"/>
           </a:p>
@@ -3360,7 +3359,7 @@
           <a:p>
             <a:r>
               <a:rPr lang="en-US" altLang="ko-KR" dirty="0" err="1"/>
-              <a:t>Rasp_data</a:t>
+              <a:t>rasp_data</a:t>
             </a:r>
             <a:endParaRPr lang="ko-KR" altLang="en-US" dirty="0"/>
           </a:p>
@@ -3474,7 +3473,7 @@
         <p:spPr>
           <a:xfrm>
             <a:off x="998376" y="1464906"/>
-            <a:ext cx="10355424" cy="2862322"/>
+            <a:ext cx="10355424" cy="2308324"/>
           </a:xfrm>
           <a:prstGeom prst="rect">
             <a:avLst/>
@@ -3502,13 +3501,8 @@
           <a:p>
             <a:r>
               <a:rPr lang="en-US" altLang="ko-KR" b="1" dirty="0"/>
-              <a:t>Create table </a:t>
-            </a:r>
-            <a:r>
-              <a:rPr lang="en-US" altLang="ko-KR" b="1" dirty="0" err="1"/>
-              <a:t>App_settings</a:t>
-            </a:r>
-            <a:endParaRPr lang="en-US" altLang="ko-KR" b="1" dirty="0"/>
+              <a:t>Create table writes</a:t>
+            </a:r>
           </a:p>
           <a:p>
             <a:r>
@@ -3519,15 +3513,15 @@
           <a:p>
             <a:r>
               <a:rPr lang="en-US" altLang="ko-KR" b="1" dirty="0"/>
-              <a:t>	id			int not null </a:t>
+              <a:t>	</a:t>
             </a:r>
             <a:r>
               <a:rPr lang="en-US" altLang="ko-KR" b="1" dirty="0" err="1"/>
-              <a:t>auto_increment</a:t>
+              <a:t>device_id</a:t>
             </a:r>
             <a:r>
               <a:rPr lang="en-US" altLang="ko-KR" b="1" dirty="0"/>
-              <a:t>,</a:t>
+              <a:t>		varchar(20) not null,</a:t>
             </a:r>
           </a:p>
           <a:p>
@@ -3537,19 +3531,17 @@
             </a:r>
             <a:r>
               <a:rPr lang="en-US" altLang="ko-KR" b="1" dirty="0" err="1"/>
-              <a:t>is_noti</a:t>
+              <a:t>log_no</a:t>
             </a:r>
             <a:r>
               <a:rPr lang="en-US" altLang="ko-KR" b="1" dirty="0"/>
-              <a:t>			</a:t>
-            </a:r>
-            <a:r>
-              <a:rPr lang="en-US" altLang="ko-KR" b="1" dirty="0" err="1"/>
-              <a:t>boolean</a:t>
-            </a:r>
+              <a:t>			int not null ,</a:t>
+            </a:r>
+          </a:p>
+          <a:p>
             <a:r>
               <a:rPr lang="en-US" altLang="ko-KR" b="1" dirty="0"/>
-              <a:t> ,</a:t>
+              <a:t>	file			varchar(100),</a:t>
             </a:r>
           </a:p>
           <a:p>
@@ -3559,59 +3551,33 @@
             </a:r>
             <a:r>
               <a:rPr lang="en-US" altLang="ko-KR" b="1" dirty="0" err="1"/>
-              <a:t>fcm_token</a:t>
+              <a:t>function_type</a:t>
             </a:r>
             <a:r>
               <a:rPr lang="en-US" altLang="ko-KR" b="1" dirty="0"/>
-              <a:t>		varchar(45),</a:t>
+              <a:t>		varchar(20),</a:t>
             </a:r>
           </a:p>
           <a:p>
             <a:r>
               <a:rPr lang="en-US" altLang="ko-KR" b="1" dirty="0"/>
-              <a:t>	</a:t>
+              <a:t>	primary key(</a:t>
             </a:r>
             <a:r>
               <a:rPr lang="en-US" altLang="ko-KR" b="1" dirty="0" err="1"/>
-              <a:t>view_log_cnt</a:t>
+              <a:t>device_id</a:t>
             </a:r>
             <a:r>
               <a:rPr lang="en-US" altLang="ko-KR" b="1" dirty="0"/>
-              <a:t>		int,</a:t>
-            </a:r>
-          </a:p>
-          <a:p>
+              <a:t>, </a:t>
+            </a:r>
+            <a:r>
+              <a:rPr lang="en-US" altLang="ko-KR" b="1" dirty="0" err="1"/>
+              <a:t>log_no</a:t>
+            </a:r>
             <a:r>
               <a:rPr lang="en-US" altLang="ko-KR" b="1" dirty="0"/>
-              <a:t>	</a:t>
-            </a:r>
-            <a:r>
-              <a:rPr lang="en-US" altLang="ko-KR" b="1" dirty="0" err="1"/>
-              <a:t>user_id</a:t>
-            </a:r>
-            <a:r>
-              <a:rPr lang="en-US" altLang="ko-KR" b="1" dirty="0"/>
-              <a:t>			varchar(20) not null,</a:t>
-            </a:r>
-          </a:p>
-          <a:p>
-            <a:r>
-              <a:rPr lang="en-US" altLang="ko-KR" b="1" dirty="0"/>
-              <a:t>	primary key(id),</a:t>
-            </a:r>
-          </a:p>
-          <a:p>
-            <a:r>
-              <a:rPr lang="en-US" altLang="ko-KR" b="1" dirty="0"/>
-              <a:t>	foreign key(</a:t>
-            </a:r>
-            <a:r>
-              <a:rPr lang="en-US" altLang="ko-KR" b="1" dirty="0" err="1"/>
-              <a:t>user_id</a:t>
-            </a:r>
-            <a:r>
-              <a:rPr lang="en-US" altLang="ko-KR" b="1" dirty="0"/>
-              <a:t>) references User(id)</a:t>
+              <a:t>)</a:t>
             </a:r>
           </a:p>
           <a:p>
@@ -3626,7 +3592,7 @@
     </p:spTree>
     <p:extLst>
       <p:ext uri="{BB962C8B-B14F-4D97-AF65-F5344CB8AC3E}">
-        <p14:creationId xmlns:p14="http://schemas.microsoft.com/office/powerpoint/2010/main" val="162321012"/>
+        <p14:creationId xmlns:p14="http://schemas.microsoft.com/office/powerpoint/2010/main" val="844047783"/>
       </p:ext>
     </p:extLst>
   </p:cSld>
@@ -3702,7 +3668,7 @@
         <p:spPr>
           <a:xfrm>
             <a:off x="998376" y="1464906"/>
-            <a:ext cx="10355424" cy="2308324"/>
+            <a:ext cx="10355424" cy="4278094"/>
           </a:xfrm>
           <a:prstGeom prst="rect">
             <a:avLst/>
@@ -3729,203 +3695,8 @@
           <a:lstStyle/>
           <a:p>
             <a:r>
-              <a:rPr lang="en-US" altLang="ko-KR" b="1" dirty="0"/>
-              <a:t>Create table Writes</a:t>
-            </a:r>
-          </a:p>
-          <a:p>
-            <a:r>
-              <a:rPr lang="en-US" altLang="ko-KR" b="1" dirty="0"/>
-              <a:t>(</a:t>
-            </a:r>
-          </a:p>
-          <a:p>
-            <a:r>
-              <a:rPr lang="en-US" altLang="ko-KR" b="1" dirty="0"/>
-              <a:t>	</a:t>
-            </a:r>
-            <a:r>
-              <a:rPr lang="en-US" altLang="ko-KR" b="1" dirty="0" err="1"/>
-              <a:t>device_id</a:t>
-            </a:r>
-            <a:r>
-              <a:rPr lang="en-US" altLang="ko-KR" b="1" dirty="0"/>
-              <a:t>		varchar(20) not null,</a:t>
-            </a:r>
-          </a:p>
-          <a:p>
-            <a:r>
-              <a:rPr lang="en-US" altLang="ko-KR" b="1" dirty="0"/>
-              <a:t>	</a:t>
-            </a:r>
-            <a:r>
-              <a:rPr lang="en-US" altLang="ko-KR" b="1" dirty="0" err="1"/>
-              <a:t>log_no</a:t>
-            </a:r>
-            <a:r>
-              <a:rPr lang="en-US" altLang="ko-KR" b="1" dirty="0"/>
-              <a:t>			int not null ,</a:t>
-            </a:r>
-          </a:p>
-          <a:p>
-            <a:r>
-              <a:rPr lang="en-US" altLang="ko-KR" b="1" dirty="0"/>
-              <a:t>	file			varchar(100),</a:t>
-            </a:r>
-          </a:p>
-          <a:p>
-            <a:r>
-              <a:rPr lang="en-US" altLang="ko-KR" b="1" dirty="0"/>
-              <a:t>	</a:t>
-            </a:r>
-            <a:r>
-              <a:rPr lang="en-US" altLang="ko-KR" b="1" dirty="0" err="1"/>
-              <a:t>function_type</a:t>
-            </a:r>
-            <a:r>
-              <a:rPr lang="en-US" altLang="ko-KR" b="1" dirty="0"/>
-              <a:t>		varchar(20),</a:t>
-            </a:r>
-          </a:p>
-          <a:p>
-            <a:r>
-              <a:rPr lang="en-US" altLang="ko-KR" b="1" dirty="0"/>
-              <a:t>	primary key(</a:t>
-            </a:r>
-            <a:r>
-              <a:rPr lang="en-US" altLang="ko-KR" b="1" dirty="0" err="1"/>
-              <a:t>device_id</a:t>
-            </a:r>
-            <a:r>
-              <a:rPr lang="en-US" altLang="ko-KR" b="1" dirty="0"/>
-              <a:t>, </a:t>
-            </a:r>
-            <a:r>
-              <a:rPr lang="en-US" altLang="ko-KR" b="1" dirty="0" err="1"/>
-              <a:t>log_no</a:t>
-            </a:r>
-            <a:r>
-              <a:rPr lang="en-US" altLang="ko-KR" b="1" dirty="0"/>
-              <a:t>)</a:t>
-            </a:r>
-          </a:p>
-          <a:p>
-            <a:r>
-              <a:rPr lang="en-US" altLang="ko-KR" b="1" dirty="0"/>
-              <a:t>);</a:t>
-            </a:r>
-            <a:endParaRPr lang="ko-KR" altLang="en-US" b="1" dirty="0"/>
-          </a:p>
-        </p:txBody>
-      </p:sp>
-    </p:spTree>
-    <p:extLst>
-      <p:ext uri="{BB962C8B-B14F-4D97-AF65-F5344CB8AC3E}">
-        <p14:creationId xmlns:p14="http://schemas.microsoft.com/office/powerpoint/2010/main" val="844047783"/>
-      </p:ext>
-    </p:extLst>
-  </p:cSld>
-  <p:clrMapOvr>
-    <a:masterClrMapping/>
-  </p:clrMapOvr>
-</p:sld>
-</file>
-
-<file path=ppt/slides/slide12.xml><?xml version="1.0" encoding="utf-8"?>
-<p:sld xmlns:a="http://schemas.openxmlformats.org/drawingml/2006/main" xmlns:r="http://schemas.openxmlformats.org/officeDocument/2006/relationships" xmlns:p="http://schemas.openxmlformats.org/presentationml/2006/main">
-  <p:cSld>
-    <p:spTree>
-      <p:nvGrpSpPr>
-        <p:cNvPr id="1" name=""/>
-        <p:cNvGrpSpPr/>
-        <p:nvPr/>
-      </p:nvGrpSpPr>
-      <p:grpSpPr>
-        <a:xfrm>
-          <a:off x="0" y="0"/>
-          <a:ext cx="0" cy="0"/>
-          <a:chOff x="0" y="0"/>
-          <a:chExt cx="0" cy="0"/>
-        </a:xfrm>
-      </p:grpSpPr>
-      <p:sp>
-        <p:nvSpPr>
-          <p:cNvPr id="2" name="제목 1">
-            <a:extLst>
-              <a:ext uri="{FF2B5EF4-FFF2-40B4-BE49-F238E27FC236}">
-                <a16:creationId xmlns:a16="http://schemas.microsoft.com/office/drawing/2014/main" id="{7741B90E-B375-4E5C-927E-04EE820442E0}"/>
-              </a:ext>
-            </a:extLst>
-          </p:cNvPr>
-          <p:cNvSpPr>
-            <a:spLocks noGrp="1"/>
-          </p:cNvSpPr>
-          <p:nvPr>
-            <p:ph type="title"/>
-          </p:nvPr>
-        </p:nvSpPr>
-        <p:spPr>
-          <a:xfrm>
-            <a:off x="838200" y="365125"/>
-            <a:ext cx="10515600" cy="1325563"/>
-          </a:xfrm>
-        </p:spPr>
-        <p:txBody>
-          <a:bodyPr/>
-          <a:lstStyle/>
-          <a:p>
-            <a:r>
-              <a:rPr lang="en-US" altLang="ko-KR" dirty="0"/>
-              <a:t>Data Definition Language</a:t>
-            </a:r>
-            <a:endParaRPr lang="ko-KR" altLang="en-US" dirty="0"/>
-          </a:p>
-        </p:txBody>
-      </p:sp>
-      <p:sp>
-        <p:nvSpPr>
-          <p:cNvPr id="5" name="TextBox 4">
-            <a:extLst>
-              <a:ext uri="{FF2B5EF4-FFF2-40B4-BE49-F238E27FC236}">
-                <a16:creationId xmlns:a16="http://schemas.microsoft.com/office/drawing/2014/main" id="{2E3AE5A3-3720-4CC7-801C-D0F52A81E07D}"/>
-              </a:ext>
-            </a:extLst>
-          </p:cNvPr>
-          <p:cNvSpPr txBox="1"/>
-          <p:nvPr/>
-        </p:nvSpPr>
-        <p:spPr>
-          <a:xfrm>
-            <a:off x="998376" y="1464906"/>
-            <a:ext cx="10355424" cy="5755422"/>
-          </a:xfrm>
-          <a:prstGeom prst="rect">
-            <a:avLst/>
-          </a:prstGeom>
-        </p:spPr>
-        <p:style>
-          <a:lnRef idx="2">
-            <a:schemeClr val="accent1"/>
-          </a:lnRef>
-          <a:fillRef idx="1">
-            <a:schemeClr val="lt1"/>
-          </a:fillRef>
-          <a:effectRef idx="0">
-            <a:schemeClr val="accent1"/>
-          </a:effectRef>
-          <a:fontRef idx="minor">
-            <a:schemeClr val="dk1"/>
-          </a:fontRef>
-        </p:style>
-        <p:txBody>
-          <a:bodyPr wrap="square" rtlCol="0">
-            <a:spAutoFit/>
-          </a:bodyPr>
-          <a:lstStyle/>
-          <a:p>
-            <a:r>
               <a:rPr lang="en-US" altLang="ko-KR" sz="800" b="1" dirty="0"/>
-              <a:t>Create table User</a:t>
+              <a:t>Create table user</a:t>
             </a:r>
           </a:p>
           <a:p>
@@ -3953,11 +3724,11 @@
             </a:r>
             <a:r>
               <a:rPr lang="en-US" altLang="ko-KR" sz="800" b="1" dirty="0" err="1"/>
-              <a:t>app_settings_id</a:t>
+              <a:t>fcm_token</a:t>
             </a:r>
             <a:r>
               <a:rPr lang="en-US" altLang="ko-KR" sz="800" b="1" dirty="0"/>
-              <a:t>	 int,</a:t>
+              <a:t> 	 varchar(40),</a:t>
             </a:r>
           </a:p>
           <a:p>
@@ -3978,7 +3749,7 @@
           <a:p>
             <a:r>
               <a:rPr lang="en-US" altLang="ko-KR" sz="800" b="1" dirty="0"/>
-              <a:t>Create table Device</a:t>
+              <a:t>Create table device</a:t>
             </a:r>
           </a:p>
           <a:p>
@@ -4037,7 +3808,7 @@
           <a:p>
             <a:r>
               <a:rPr lang="en-US" altLang="ko-KR" sz="800" b="1" dirty="0"/>
-              <a:t>Create table Log</a:t>
+              <a:t>Create table log</a:t>
             </a:r>
           </a:p>
           <a:p>
@@ -4114,13 +3885,8 @@
           <a:p>
             <a:r>
               <a:rPr lang="en-US" altLang="ko-KR" sz="800" b="1" dirty="0"/>
-              <a:t>Create table </a:t>
-            </a:r>
-            <a:r>
-              <a:rPr lang="en-US" altLang="ko-KR" sz="800" b="1" dirty="0" err="1"/>
-              <a:t>App_settings</a:t>
-            </a:r>
-            <a:endParaRPr lang="en-US" altLang="ko-KR" sz="800" b="1" dirty="0"/>
+              <a:t>Create table writes</a:t>
+            </a:r>
           </a:p>
           <a:p>
             <a:r>
@@ -4131,15 +3897,15 @@
           <a:p>
             <a:r>
               <a:rPr lang="en-US" altLang="ko-KR" sz="800" b="1" dirty="0"/>
-              <a:t>	id	 int not null </a:t>
+              <a:t>	</a:t>
             </a:r>
             <a:r>
               <a:rPr lang="en-US" altLang="ko-KR" sz="800" b="1" dirty="0" err="1"/>
-              <a:t>auto_increment</a:t>
+              <a:t>device_id</a:t>
             </a:r>
             <a:r>
               <a:rPr lang="en-US" altLang="ko-KR" sz="800" b="1" dirty="0"/>
-              <a:t>,</a:t>
+              <a:t> 	varchar(20) not null,</a:t>
             </a:r>
           </a:p>
           <a:p>
@@ -4149,19 +3915,17 @@
             </a:r>
             <a:r>
               <a:rPr lang="en-US" altLang="ko-KR" sz="800" b="1" dirty="0" err="1"/>
-              <a:t>is_noti</a:t>
+              <a:t>log_no</a:t>
             </a:r>
             <a:r>
               <a:rPr lang="en-US" altLang="ko-KR" sz="800" b="1" dirty="0"/>
-              <a:t>	 </a:t>
-            </a:r>
-            <a:r>
-              <a:rPr lang="en-US" altLang="ko-KR" sz="800" b="1" dirty="0" err="1"/>
-              <a:t>boolean</a:t>
-            </a:r>
+              <a:t> 	int not null,</a:t>
+            </a:r>
+          </a:p>
+          <a:p>
             <a:r>
               <a:rPr lang="en-US" altLang="ko-KR" sz="800" b="1" dirty="0"/>
-              <a:t> ,</a:t>
+              <a:t> 	file 	varchar(100),</a:t>
             </a:r>
           </a:p>
           <a:p>
@@ -4171,31 +3935,45 @@
             </a:r>
             <a:r>
               <a:rPr lang="en-US" altLang="ko-KR" sz="800" b="1" dirty="0" err="1"/>
-              <a:t>fcm_token</a:t>
+              <a:t>function_type</a:t>
             </a:r>
             <a:r>
               <a:rPr lang="en-US" altLang="ko-KR" sz="800" b="1" dirty="0"/>
-              <a:t>	 varchar(45),</a:t>
+              <a:t> 	varchar(20),</a:t>
             </a:r>
           </a:p>
           <a:p>
             <a:r>
               <a:rPr lang="en-US" altLang="ko-KR" sz="800" b="1" dirty="0"/>
-              <a:t>	</a:t>
+              <a:t>	primary key(</a:t>
             </a:r>
             <a:r>
               <a:rPr lang="en-US" altLang="ko-KR" sz="800" b="1" dirty="0" err="1"/>
-              <a:t>view_log_cnt</a:t>
+              <a:t>device_id</a:t>
             </a:r>
             <a:r>
               <a:rPr lang="en-US" altLang="ko-KR" sz="800" b="1" dirty="0"/>
-              <a:t>	 int,</a:t>
-            </a:r>
-          </a:p>
-          <a:p>
+              <a:t>, </a:t>
+            </a:r>
+            <a:r>
+              <a:rPr lang="en-US" altLang="ko-KR" sz="800" b="1" dirty="0" err="1"/>
+              <a:t>log_no</a:t>
+            </a:r>
             <a:r>
               <a:rPr lang="en-US" altLang="ko-KR" sz="800" b="1" dirty="0"/>
-              <a:t>	</a:t>
+              <a:t>)</a:t>
+            </a:r>
+          </a:p>
+          <a:p>
+            <a:r>
+              <a:rPr lang="en-US" altLang="ko-KR" sz="800" b="1" dirty="0"/>
+              <a:t>);</a:t>
+            </a:r>
+          </a:p>
+          <a:p>
+            <a:r>
+              <a:rPr lang="en-US" altLang="ko-KR" sz="800" b="1" dirty="0"/>
+              <a:t>alter table device add constraint device_fk1 foreign key(</a:t>
             </a:r>
             <a:r>
               <a:rPr lang="en-US" altLang="ko-KR" sz="800" b="1" dirty="0" err="1"/>
@@ -4203,178 +3981,16 @@
             </a:r>
             <a:r>
               <a:rPr lang="en-US" altLang="ko-KR" sz="800" b="1" dirty="0"/>
-              <a:t>	 varchar(20) not</a:t>
-            </a:r>
-            <a:r>
-              <a:rPr lang="ko-KR" altLang="en-US" sz="800" b="1" dirty="0"/>
-              <a:t> </a:t>
-            </a:r>
-            <a:r>
-              <a:rPr lang="en-US" altLang="ko-KR" sz="800" b="1" dirty="0"/>
-              <a:t>null,</a:t>
-            </a:r>
-          </a:p>
-          <a:p>
-            <a:r>
-              <a:rPr lang="en-US" altLang="ko-KR" sz="800" b="1" dirty="0"/>
-              <a:t>	primary key(id)</a:t>
-            </a:r>
-          </a:p>
-          <a:p>
-            <a:r>
-              <a:rPr lang="en-US" altLang="ko-KR" sz="800" b="1" dirty="0"/>
-              <a:t>);</a:t>
-            </a:r>
-          </a:p>
-          <a:p>
-            <a:endParaRPr lang="en-US" altLang="ko-KR" sz="800" b="1" dirty="0"/>
-          </a:p>
-          <a:p>
-            <a:r>
-              <a:rPr lang="en-US" altLang="ko-KR" sz="800" b="1" dirty="0"/>
-              <a:t>Create table Writes</a:t>
-            </a:r>
-          </a:p>
-          <a:p>
-            <a:r>
-              <a:rPr lang="en-US" altLang="ko-KR" sz="800" b="1" dirty="0"/>
-              <a:t>(</a:t>
-            </a:r>
-          </a:p>
-          <a:p>
-            <a:r>
-              <a:rPr lang="en-US" altLang="ko-KR" sz="800" b="1" dirty="0"/>
-              <a:t>	</a:t>
-            </a:r>
-            <a:r>
-              <a:rPr lang="en-US" altLang="ko-KR" sz="800" b="1" dirty="0" err="1"/>
-              <a:t>device_id</a:t>
-            </a:r>
-            <a:r>
-              <a:rPr lang="en-US" altLang="ko-KR" sz="800" b="1" dirty="0"/>
-              <a:t> 	varchar(20) not null,</a:t>
-            </a:r>
-          </a:p>
-          <a:p>
-            <a:r>
-              <a:rPr lang="en-US" altLang="ko-KR" sz="800" b="1" dirty="0"/>
-              <a:t>	</a:t>
-            </a:r>
-            <a:r>
-              <a:rPr lang="en-US" altLang="ko-KR" sz="800" b="1" dirty="0" err="1"/>
-              <a:t>log_no</a:t>
-            </a:r>
-            <a:r>
-              <a:rPr lang="en-US" altLang="ko-KR" sz="800" b="1" dirty="0"/>
-              <a:t> 	int not null,</a:t>
-            </a:r>
-          </a:p>
-          <a:p>
-            <a:r>
-              <a:rPr lang="en-US" altLang="ko-KR" sz="800" b="1" dirty="0"/>
-              <a:t> 	file 	varchar(100),</a:t>
-            </a:r>
-          </a:p>
-          <a:p>
-            <a:r>
-              <a:rPr lang="en-US" altLang="ko-KR" sz="800" b="1" dirty="0"/>
-              <a:t>	</a:t>
-            </a:r>
-            <a:r>
-              <a:rPr lang="en-US" altLang="ko-KR" sz="800" b="1" dirty="0" err="1"/>
-              <a:t>function_type</a:t>
-            </a:r>
-            <a:r>
-              <a:rPr lang="en-US" altLang="ko-KR" sz="800" b="1" dirty="0"/>
-              <a:t> 	varchar(20),</a:t>
-            </a:r>
-          </a:p>
-          <a:p>
-            <a:r>
-              <a:rPr lang="en-US" altLang="ko-KR" sz="800" b="1" dirty="0"/>
-              <a:t>	primary key(</a:t>
-            </a:r>
-            <a:r>
-              <a:rPr lang="en-US" altLang="ko-KR" sz="800" b="1" dirty="0" err="1"/>
-              <a:t>device_id</a:t>
-            </a:r>
-            <a:r>
-              <a:rPr lang="en-US" altLang="ko-KR" sz="800" b="1" dirty="0"/>
-              <a:t>, </a:t>
-            </a:r>
-            <a:r>
-              <a:rPr lang="en-US" altLang="ko-KR" sz="800" b="1" dirty="0" err="1"/>
-              <a:t>log_no</a:t>
-            </a:r>
-            <a:r>
-              <a:rPr lang="en-US" altLang="ko-KR" sz="800" b="1" dirty="0"/>
-              <a:t>)</a:t>
-            </a:r>
-          </a:p>
-          <a:p>
-            <a:r>
-              <a:rPr lang="en-US" altLang="ko-KR" sz="800" b="1" dirty="0"/>
-              <a:t>);</a:t>
-            </a:r>
-          </a:p>
-          <a:p>
-            <a:r>
-              <a:rPr lang="en-US" altLang="ko-KR" sz="800" b="1" dirty="0"/>
-              <a:t>alter table User add constraint User_fk1 foreign key(</a:t>
-            </a:r>
-            <a:r>
-              <a:rPr lang="en-US" altLang="ko-KR" sz="800" b="1" dirty="0" err="1"/>
-              <a:t>app_settings_id</a:t>
-            </a:r>
-            <a:r>
-              <a:rPr lang="en-US" altLang="ko-KR" sz="800" b="1" dirty="0"/>
-              <a:t>) references </a:t>
-            </a:r>
-            <a:r>
-              <a:rPr lang="en-US" altLang="ko-KR" sz="800" b="1" dirty="0" err="1"/>
-              <a:t>App_settings</a:t>
+              <a:t>) </a:t>
+            </a:r>
+            <a:r>
+              <a:rPr lang="en-US" altLang="ko-KR" sz="800" b="1"/>
+              <a:t>references user</a:t>
             </a:r>
             <a:r>
               <a:rPr lang="en-US" altLang="ko-KR" sz="800" b="1" dirty="0"/>
               <a:t>(id);</a:t>
             </a:r>
-          </a:p>
-          <a:p>
-            <a:r>
-              <a:rPr lang="en-US" altLang="ko-KR" sz="800" b="1" dirty="0"/>
-              <a:t>alter table Device add constraint Device_fk1 foreign key(</a:t>
-            </a:r>
-            <a:r>
-              <a:rPr lang="en-US" altLang="ko-KR" sz="800" b="1" dirty="0" err="1"/>
-              <a:t>user_id</a:t>
-            </a:r>
-            <a:r>
-              <a:rPr lang="en-US" altLang="ko-KR" sz="800" b="1" dirty="0"/>
-              <a:t>) references User(id);</a:t>
-            </a:r>
-          </a:p>
-          <a:p>
-            <a:r>
-              <a:rPr lang="en-US" altLang="ko-KR" sz="800" b="1" dirty="0"/>
-              <a:t>alter table </a:t>
-            </a:r>
-            <a:r>
-              <a:rPr lang="en-US" altLang="ko-KR" sz="800" b="1" dirty="0" err="1"/>
-              <a:t>App_settings</a:t>
-            </a:r>
-            <a:r>
-              <a:rPr lang="en-US" altLang="ko-KR" sz="800" b="1" dirty="0"/>
-              <a:t> add constraint App_settings_fk1 foreign key(</a:t>
-            </a:r>
-            <a:r>
-              <a:rPr lang="en-US" altLang="ko-KR" sz="800" b="1" dirty="0" err="1"/>
-              <a:t>user_id</a:t>
-            </a:r>
-            <a:r>
-              <a:rPr lang="en-US" altLang="ko-KR" sz="800" b="1" dirty="0"/>
-              <a:t>) references User(id);</a:t>
-            </a:r>
-            <a:endParaRPr lang="ko-KR" altLang="en-US" sz="800" b="1" dirty="0"/>
           </a:p>
         </p:txBody>
       </p:sp>
@@ -4437,250 +4053,6 @@
           </a:p>
         </p:txBody>
       </p:sp>
-      <p:grpSp>
-        <p:nvGrpSpPr>
-          <p:cNvPr id="13" name="그룹 12">
-            <a:extLst>
-              <a:ext uri="{FF2B5EF4-FFF2-40B4-BE49-F238E27FC236}">
-                <a16:creationId xmlns:a16="http://schemas.microsoft.com/office/drawing/2014/main" id="{02848A9F-6AC1-4E7B-A79E-328667AD3EBB}"/>
-              </a:ext>
-            </a:extLst>
-          </p:cNvPr>
-          <p:cNvGrpSpPr/>
-          <p:nvPr/>
-        </p:nvGrpSpPr>
-        <p:grpSpPr>
-          <a:xfrm>
-            <a:off x="1191237" y="1904300"/>
-            <a:ext cx="2367094" cy="1094764"/>
-            <a:chOff x="1191237" y="1904300"/>
-            <a:chExt cx="2367094" cy="1094764"/>
-          </a:xfrm>
-        </p:grpSpPr>
-        <p:sp>
-          <p:nvSpPr>
-            <p:cNvPr id="4" name="직사각형 3">
-              <a:extLst>
-                <a:ext uri="{FF2B5EF4-FFF2-40B4-BE49-F238E27FC236}">
-                  <a16:creationId xmlns:a16="http://schemas.microsoft.com/office/drawing/2014/main" id="{A53D5F3C-E676-4720-A78D-EEF05482D99C}"/>
-                </a:ext>
-              </a:extLst>
-            </p:cNvPr>
-            <p:cNvSpPr/>
-            <p:nvPr/>
-          </p:nvSpPr>
-          <p:spPr>
-            <a:xfrm>
-              <a:off x="1862355" y="1904300"/>
-              <a:ext cx="998290" cy="360727"/>
-            </a:xfrm>
-            <a:prstGeom prst="rect">
-              <a:avLst/>
-            </a:prstGeom>
-          </p:spPr>
-          <p:style>
-            <a:lnRef idx="2">
-              <a:schemeClr val="accent1"/>
-            </a:lnRef>
-            <a:fillRef idx="1">
-              <a:schemeClr val="lt1"/>
-            </a:fillRef>
-            <a:effectRef idx="0">
-              <a:schemeClr val="accent1"/>
-            </a:effectRef>
-            <a:fontRef idx="minor">
-              <a:schemeClr val="dk1"/>
-            </a:fontRef>
-          </p:style>
-          <p:txBody>
-            <a:bodyPr rtlCol="0" anchor="ctr"/>
-            <a:lstStyle/>
-            <a:p>
-              <a:pPr algn="ctr"/>
-              <a:r>
-                <a:rPr lang="en-US" altLang="ko-KR" dirty="0"/>
-                <a:t>User</a:t>
-              </a:r>
-              <a:endParaRPr lang="ko-KR" altLang="en-US" dirty="0"/>
-            </a:p>
-          </p:txBody>
-        </p:sp>
-        <p:sp>
-          <p:nvSpPr>
-            <p:cNvPr id="5" name="타원 4">
-              <a:extLst>
-                <a:ext uri="{FF2B5EF4-FFF2-40B4-BE49-F238E27FC236}">
-                  <a16:creationId xmlns:a16="http://schemas.microsoft.com/office/drawing/2014/main" id="{987CEED9-3CFC-458F-9F73-40B463B20333}"/>
-                </a:ext>
-              </a:extLst>
-            </p:cNvPr>
-            <p:cNvSpPr/>
-            <p:nvPr/>
-          </p:nvSpPr>
-          <p:spPr>
-            <a:xfrm>
-              <a:off x="1191237" y="2638336"/>
-              <a:ext cx="998290" cy="360727"/>
-            </a:xfrm>
-            <a:prstGeom prst="ellipse">
-              <a:avLst/>
-            </a:prstGeom>
-          </p:spPr>
-          <p:style>
-            <a:lnRef idx="2">
-              <a:schemeClr val="accent1"/>
-            </a:lnRef>
-            <a:fillRef idx="1">
-              <a:schemeClr val="lt1"/>
-            </a:fillRef>
-            <a:effectRef idx="0">
-              <a:schemeClr val="accent1"/>
-            </a:effectRef>
-            <a:fontRef idx="minor">
-              <a:schemeClr val="dk1"/>
-            </a:fontRef>
-          </p:style>
-          <p:txBody>
-            <a:bodyPr rtlCol="0" anchor="ctr"/>
-            <a:lstStyle/>
-            <a:p>
-              <a:pPr algn="ctr"/>
-              <a:r>
-                <a:rPr lang="en-US" altLang="ko-KR" u="sng" dirty="0"/>
-                <a:t>id</a:t>
-              </a:r>
-              <a:endParaRPr lang="ko-KR" altLang="en-US" u="sng" dirty="0"/>
-            </a:p>
-          </p:txBody>
-        </p:sp>
-        <p:sp>
-          <p:nvSpPr>
-            <p:cNvPr id="6" name="타원 5">
-              <a:extLst>
-                <a:ext uri="{FF2B5EF4-FFF2-40B4-BE49-F238E27FC236}">
-                  <a16:creationId xmlns:a16="http://schemas.microsoft.com/office/drawing/2014/main" id="{18CBDB5C-3D89-4578-859B-88E0BF0010A5}"/>
-                </a:ext>
-              </a:extLst>
-            </p:cNvPr>
-            <p:cNvSpPr/>
-            <p:nvPr/>
-          </p:nvSpPr>
-          <p:spPr>
-            <a:xfrm>
-              <a:off x="2560041" y="2638337"/>
-              <a:ext cx="998290" cy="360727"/>
-            </a:xfrm>
-            <a:prstGeom prst="ellipse">
-              <a:avLst/>
-            </a:prstGeom>
-          </p:spPr>
-          <p:style>
-            <a:lnRef idx="2">
-              <a:schemeClr val="accent1"/>
-            </a:lnRef>
-            <a:fillRef idx="1">
-              <a:schemeClr val="lt1"/>
-            </a:fillRef>
-            <a:effectRef idx="0">
-              <a:schemeClr val="accent1"/>
-            </a:effectRef>
-            <a:fontRef idx="minor">
-              <a:schemeClr val="dk1"/>
-            </a:fontRef>
-          </p:style>
-          <p:txBody>
-            <a:bodyPr rtlCol="0" anchor="ctr"/>
-            <a:lstStyle/>
-            <a:p>
-              <a:pPr algn="ctr"/>
-              <a:r>
-                <a:rPr lang="en-US" altLang="ko-KR" dirty="0"/>
-                <a:t>pin</a:t>
-              </a:r>
-              <a:endParaRPr lang="ko-KR" altLang="en-US" dirty="0"/>
-            </a:p>
-          </p:txBody>
-        </p:sp>
-        <p:cxnSp>
-          <p:nvCxnSpPr>
-            <p:cNvPr id="8" name="직선 연결선 7">
-              <a:extLst>
-                <a:ext uri="{FF2B5EF4-FFF2-40B4-BE49-F238E27FC236}">
-                  <a16:creationId xmlns:a16="http://schemas.microsoft.com/office/drawing/2014/main" id="{0FC43463-E9AF-40CA-A291-53F074BE0E0B}"/>
-                </a:ext>
-              </a:extLst>
-            </p:cNvPr>
-            <p:cNvCxnSpPr>
-              <a:stCxn id="4" idx="2"/>
-              <a:endCxn id="5" idx="0"/>
-            </p:cNvCxnSpPr>
-            <p:nvPr/>
-          </p:nvCxnSpPr>
-          <p:spPr>
-            <a:xfrm flipH="1">
-              <a:off x="1690382" y="2265027"/>
-              <a:ext cx="671118" cy="373309"/>
-            </a:xfrm>
-            <a:prstGeom prst="line">
-              <a:avLst/>
-            </a:prstGeom>
-          </p:spPr>
-          <p:style>
-            <a:lnRef idx="1">
-              <a:schemeClr val="accent1"/>
-            </a:lnRef>
-            <a:fillRef idx="0">
-              <a:schemeClr val="accent1"/>
-            </a:fillRef>
-            <a:effectRef idx="0">
-              <a:schemeClr val="accent1"/>
-            </a:effectRef>
-            <a:fontRef idx="minor">
-              <a:schemeClr val="tx1"/>
-            </a:fontRef>
-          </p:style>
-        </p:cxnSp>
-        <p:cxnSp>
-          <p:nvCxnSpPr>
-            <p:cNvPr id="9" name="직선 연결선 8">
-              <a:extLst>
-                <a:ext uri="{FF2B5EF4-FFF2-40B4-BE49-F238E27FC236}">
-                  <a16:creationId xmlns:a16="http://schemas.microsoft.com/office/drawing/2014/main" id="{72F0C5CC-ADA1-46A8-826A-B94502AFDBDC}"/>
-                </a:ext>
-              </a:extLst>
-            </p:cNvPr>
-            <p:cNvCxnSpPr>
-              <a:cxnSpLocks/>
-              <a:stCxn id="4" idx="2"/>
-              <a:endCxn id="6" idx="0"/>
-            </p:cNvCxnSpPr>
-            <p:nvPr/>
-          </p:nvCxnSpPr>
-          <p:spPr>
-            <a:xfrm>
-              <a:off x="2361500" y="2265027"/>
-              <a:ext cx="697686" cy="373310"/>
-            </a:xfrm>
-            <a:prstGeom prst="line">
-              <a:avLst/>
-            </a:prstGeom>
-          </p:spPr>
-          <p:style>
-            <a:lnRef idx="1">
-              <a:schemeClr val="accent1"/>
-            </a:lnRef>
-            <a:fillRef idx="0">
-              <a:schemeClr val="accent1"/>
-            </a:fillRef>
-            <a:effectRef idx="0">
-              <a:schemeClr val="accent1"/>
-            </a:effectRef>
-            <a:fontRef idx="minor">
-              <a:schemeClr val="tx1"/>
-            </a:fontRef>
-          </p:style>
-        </p:cxnSp>
-      </p:grpSp>
       <p:grpSp>
         <p:nvGrpSpPr>
           <p:cNvPr id="24" name="그룹 23">
@@ -4743,7 +4115,7 @@
               <a:pPr algn="ctr"/>
               <a:r>
                 <a:rPr lang="en-US" altLang="ko-KR" dirty="0"/>
-                <a:t>Device</a:t>
+                <a:t>device</a:t>
               </a:r>
               <a:endParaRPr lang="ko-KR" altLang="en-US" dirty="0"/>
             </a:p>
@@ -5095,7 +4467,7 @@
                 <a:pPr algn="ctr"/>
                 <a:r>
                   <a:rPr lang="en-US" altLang="ko-KR" dirty="0"/>
-                  <a:t>Log</a:t>
+                  <a:t>log</a:t>
                 </a:r>
                 <a:endParaRPr lang="ko-KR" altLang="en-US" dirty="0"/>
               </a:p>
@@ -5368,10 +4740,10 @@
       </p:grpSp>
       <p:grpSp>
         <p:nvGrpSpPr>
-          <p:cNvPr id="85" name="그룹 84">
-            <a:extLst>
-              <a:ext uri="{FF2B5EF4-FFF2-40B4-BE49-F238E27FC236}">
-                <a16:creationId xmlns:a16="http://schemas.microsoft.com/office/drawing/2014/main" id="{9176B927-A135-4AF1-B579-EBADDC08E615}"/>
+          <p:cNvPr id="22" name="그룹 21">
+            <a:extLst>
+              <a:ext uri="{FF2B5EF4-FFF2-40B4-BE49-F238E27FC236}">
+                <a16:creationId xmlns:a16="http://schemas.microsoft.com/office/drawing/2014/main" id="{3C2D670F-4101-47E8-8E99-E163FCE61F6C}"/>
               </a:ext>
             </a:extLst>
           </p:cNvPr>
@@ -5380,18 +4752,262 @@
         </p:nvGrpSpPr>
         <p:grpSpPr>
           <a:xfrm>
-            <a:off x="5853887" y="4208432"/>
-            <a:ext cx="5265748" cy="1812629"/>
-            <a:chOff x="5853887" y="4208432"/>
-            <a:chExt cx="5265748" cy="1812629"/>
+            <a:off x="1439173" y="1789143"/>
+            <a:ext cx="3819610" cy="1234215"/>
+            <a:chOff x="1439173" y="1789143"/>
+            <a:chExt cx="3819610" cy="1234215"/>
           </a:xfrm>
         </p:grpSpPr>
+        <p:grpSp>
+          <p:nvGrpSpPr>
+            <p:cNvPr id="13" name="그룹 12">
+              <a:extLst>
+                <a:ext uri="{FF2B5EF4-FFF2-40B4-BE49-F238E27FC236}">
+                  <a16:creationId xmlns:a16="http://schemas.microsoft.com/office/drawing/2014/main" id="{02848A9F-6AC1-4E7B-A79E-328667AD3EBB}"/>
+                </a:ext>
+              </a:extLst>
+            </p:cNvPr>
+            <p:cNvGrpSpPr/>
+            <p:nvPr/>
+          </p:nvGrpSpPr>
+          <p:grpSpPr>
+            <a:xfrm>
+              <a:off x="1439173" y="1789143"/>
+              <a:ext cx="2100729" cy="1234215"/>
+              <a:chOff x="1191237" y="1904300"/>
+              <a:chExt cx="2100729" cy="1234215"/>
+            </a:xfrm>
+          </p:grpSpPr>
+          <p:sp>
+            <p:nvSpPr>
+              <p:cNvPr id="4" name="직사각형 3">
+                <a:extLst>
+                  <a:ext uri="{FF2B5EF4-FFF2-40B4-BE49-F238E27FC236}">
+                    <a16:creationId xmlns:a16="http://schemas.microsoft.com/office/drawing/2014/main" id="{A53D5F3C-E676-4720-A78D-EEF05482D99C}"/>
+                  </a:ext>
+                </a:extLst>
+              </p:cNvPr>
+              <p:cNvSpPr/>
+              <p:nvPr/>
+            </p:nvSpPr>
+            <p:spPr>
+              <a:xfrm>
+                <a:off x="1862355" y="1904300"/>
+                <a:ext cx="998290" cy="360727"/>
+              </a:xfrm>
+              <a:prstGeom prst="rect">
+                <a:avLst/>
+              </a:prstGeom>
+            </p:spPr>
+            <p:style>
+              <a:lnRef idx="2">
+                <a:schemeClr val="accent1"/>
+              </a:lnRef>
+              <a:fillRef idx="1">
+                <a:schemeClr val="lt1"/>
+              </a:fillRef>
+              <a:effectRef idx="0">
+                <a:schemeClr val="accent1"/>
+              </a:effectRef>
+              <a:fontRef idx="minor">
+                <a:schemeClr val="dk1"/>
+              </a:fontRef>
+            </p:style>
+            <p:txBody>
+              <a:bodyPr rtlCol="0" anchor="ctr"/>
+              <a:lstStyle/>
+              <a:p>
+                <a:pPr algn="ctr"/>
+                <a:r>
+                  <a:rPr lang="en-US" altLang="ko-KR" dirty="0"/>
+                  <a:t>user</a:t>
+                </a:r>
+                <a:endParaRPr lang="ko-KR" altLang="en-US" dirty="0"/>
+              </a:p>
+            </p:txBody>
+          </p:sp>
+          <p:sp>
+            <p:nvSpPr>
+              <p:cNvPr id="5" name="타원 4">
+                <a:extLst>
+                  <a:ext uri="{FF2B5EF4-FFF2-40B4-BE49-F238E27FC236}">
+                    <a16:creationId xmlns:a16="http://schemas.microsoft.com/office/drawing/2014/main" id="{987CEED9-3CFC-458F-9F73-40B463B20333}"/>
+                  </a:ext>
+                </a:extLst>
+              </p:cNvPr>
+              <p:cNvSpPr/>
+              <p:nvPr/>
+            </p:nvSpPr>
+            <p:spPr>
+              <a:xfrm>
+                <a:off x="1191237" y="2638336"/>
+                <a:ext cx="998290" cy="360727"/>
+              </a:xfrm>
+              <a:prstGeom prst="ellipse">
+                <a:avLst/>
+              </a:prstGeom>
+            </p:spPr>
+            <p:style>
+              <a:lnRef idx="2">
+                <a:schemeClr val="accent1"/>
+              </a:lnRef>
+              <a:fillRef idx="1">
+                <a:schemeClr val="lt1"/>
+              </a:fillRef>
+              <a:effectRef idx="0">
+                <a:schemeClr val="accent1"/>
+              </a:effectRef>
+              <a:fontRef idx="minor">
+                <a:schemeClr val="dk1"/>
+              </a:fontRef>
+            </p:style>
+            <p:txBody>
+              <a:bodyPr rtlCol="0" anchor="ctr"/>
+              <a:lstStyle/>
+              <a:p>
+                <a:pPr algn="ctr"/>
+                <a:r>
+                  <a:rPr lang="en-US" altLang="ko-KR" u="sng" dirty="0"/>
+                  <a:t>id</a:t>
+                </a:r>
+                <a:endParaRPr lang="ko-KR" altLang="en-US" u="sng" dirty="0"/>
+              </a:p>
+            </p:txBody>
+          </p:sp>
+          <p:sp>
+            <p:nvSpPr>
+              <p:cNvPr id="6" name="타원 5">
+                <a:extLst>
+                  <a:ext uri="{FF2B5EF4-FFF2-40B4-BE49-F238E27FC236}">
+                    <a16:creationId xmlns:a16="http://schemas.microsoft.com/office/drawing/2014/main" id="{18CBDB5C-3D89-4578-859B-88E0BF0010A5}"/>
+                  </a:ext>
+                </a:extLst>
+              </p:cNvPr>
+              <p:cNvSpPr/>
+              <p:nvPr/>
+            </p:nvSpPr>
+            <p:spPr>
+              <a:xfrm>
+                <a:off x="2293676" y="2777788"/>
+                <a:ext cx="998290" cy="360727"/>
+              </a:xfrm>
+              <a:prstGeom prst="ellipse">
+                <a:avLst/>
+              </a:prstGeom>
+            </p:spPr>
+            <p:style>
+              <a:lnRef idx="2">
+                <a:schemeClr val="accent1"/>
+              </a:lnRef>
+              <a:fillRef idx="1">
+                <a:schemeClr val="lt1"/>
+              </a:fillRef>
+              <a:effectRef idx="0">
+                <a:schemeClr val="accent1"/>
+              </a:effectRef>
+              <a:fontRef idx="minor">
+                <a:schemeClr val="dk1"/>
+              </a:fontRef>
+            </p:style>
+            <p:txBody>
+              <a:bodyPr rtlCol="0" anchor="ctr"/>
+              <a:lstStyle/>
+              <a:p>
+                <a:pPr algn="ctr"/>
+                <a:r>
+                  <a:rPr lang="en-US" altLang="ko-KR" dirty="0"/>
+                  <a:t>pin</a:t>
+                </a:r>
+                <a:endParaRPr lang="ko-KR" altLang="en-US" dirty="0"/>
+              </a:p>
+            </p:txBody>
+          </p:sp>
+          <p:cxnSp>
+            <p:nvCxnSpPr>
+              <p:cNvPr id="8" name="직선 연결선 7">
+                <a:extLst>
+                  <a:ext uri="{FF2B5EF4-FFF2-40B4-BE49-F238E27FC236}">
+                    <a16:creationId xmlns:a16="http://schemas.microsoft.com/office/drawing/2014/main" id="{0FC43463-E9AF-40CA-A291-53F074BE0E0B}"/>
+                  </a:ext>
+                </a:extLst>
+              </p:cNvPr>
+              <p:cNvCxnSpPr>
+                <a:stCxn id="4" idx="2"/>
+                <a:endCxn id="5" idx="0"/>
+              </p:cNvCxnSpPr>
+              <p:nvPr/>
+            </p:nvCxnSpPr>
+            <p:spPr>
+              <a:xfrm flipH="1">
+                <a:off x="1690382" y="2265027"/>
+                <a:ext cx="671118" cy="373309"/>
+              </a:xfrm>
+              <a:prstGeom prst="line">
+                <a:avLst/>
+              </a:prstGeom>
+            </p:spPr>
+            <p:style>
+              <a:lnRef idx="1">
+                <a:schemeClr val="accent1"/>
+              </a:lnRef>
+              <a:fillRef idx="0">
+                <a:schemeClr val="accent1"/>
+              </a:fillRef>
+              <a:effectRef idx="0">
+                <a:schemeClr val="accent1"/>
+              </a:effectRef>
+              <a:fontRef idx="minor">
+                <a:schemeClr val="tx1"/>
+              </a:fontRef>
+            </p:style>
+          </p:cxnSp>
+          <p:cxnSp>
+            <p:nvCxnSpPr>
+              <p:cNvPr id="9" name="직선 연결선 8">
+                <a:extLst>
+                  <a:ext uri="{FF2B5EF4-FFF2-40B4-BE49-F238E27FC236}">
+                    <a16:creationId xmlns:a16="http://schemas.microsoft.com/office/drawing/2014/main" id="{72F0C5CC-ADA1-46A8-826A-B94502AFDBDC}"/>
+                  </a:ext>
+                </a:extLst>
+              </p:cNvPr>
+              <p:cNvCxnSpPr>
+                <a:cxnSpLocks/>
+                <a:stCxn id="4" idx="2"/>
+                <a:endCxn id="6" idx="0"/>
+              </p:cNvCxnSpPr>
+              <p:nvPr/>
+            </p:nvCxnSpPr>
+            <p:spPr>
+              <a:xfrm>
+                <a:off x="2361500" y="2265027"/>
+                <a:ext cx="431321" cy="512761"/>
+              </a:xfrm>
+              <a:prstGeom prst="line">
+                <a:avLst/>
+              </a:prstGeom>
+            </p:spPr>
+            <p:style>
+              <a:lnRef idx="1">
+                <a:schemeClr val="accent1"/>
+              </a:lnRef>
+              <a:fillRef idx="0">
+                <a:schemeClr val="accent1"/>
+              </a:fillRef>
+              <a:effectRef idx="0">
+                <a:schemeClr val="accent1"/>
+              </a:effectRef>
+              <a:fontRef idx="minor">
+                <a:schemeClr val="tx1"/>
+              </a:fontRef>
+            </p:style>
+          </p:cxnSp>
+        </p:grpSp>
         <p:sp>
           <p:nvSpPr>
-            <p:cNvPr id="41" name="직사각형 40">
+            <p:cNvPr id="37" name="타원 36">
               <a:extLst>
                 <a:ext uri="{FF2B5EF4-FFF2-40B4-BE49-F238E27FC236}">
-                  <a16:creationId xmlns:a16="http://schemas.microsoft.com/office/drawing/2014/main" id="{80DFC16F-9D84-4B53-9F44-59C6EA8D0E1F}"/>
+                  <a16:creationId xmlns:a16="http://schemas.microsoft.com/office/drawing/2014/main" id="{83CBBD0D-D784-4AED-926D-CC1BF59EF2CE}"/>
                 </a:ext>
               </a:extLst>
             </p:cNvPr>
@@ -5400,56 +5016,8 @@
           </p:nvSpPr>
           <p:spPr>
             <a:xfrm>
-              <a:off x="7747195" y="4208432"/>
-              <a:ext cx="1550567" cy="360727"/>
-            </a:xfrm>
-            <a:prstGeom prst="rect">
-              <a:avLst/>
-            </a:prstGeom>
-          </p:spPr>
-          <p:style>
-            <a:lnRef idx="2">
-              <a:schemeClr val="accent1"/>
-            </a:lnRef>
-            <a:fillRef idx="1">
-              <a:schemeClr val="lt1"/>
-            </a:fillRef>
-            <a:effectRef idx="0">
-              <a:schemeClr val="accent1"/>
-            </a:effectRef>
-            <a:fontRef idx="minor">
-              <a:schemeClr val="dk1"/>
-            </a:fontRef>
-          </p:style>
-          <p:txBody>
-            <a:bodyPr rtlCol="0" anchor="ctr"/>
-            <a:lstStyle/>
-            <a:p>
-              <a:pPr algn="ctr"/>
-              <a:r>
-                <a:rPr lang="en-US" altLang="ko-KR" dirty="0" err="1"/>
-                <a:t>App_settings</a:t>
-              </a:r>
-              <a:endParaRPr lang="ko-KR" altLang="en-US" dirty="0"/>
-            </a:p>
-          </p:txBody>
-        </p:sp>
-        <p:sp>
-          <p:nvSpPr>
-            <p:cNvPr id="42" name="타원 41">
-              <a:extLst>
-                <a:ext uri="{FF2B5EF4-FFF2-40B4-BE49-F238E27FC236}">
-                  <a16:creationId xmlns:a16="http://schemas.microsoft.com/office/drawing/2014/main" id="{D8A30A2F-AC62-4CE4-8493-8E081F3F4FC7}"/>
-                </a:ext>
-              </a:extLst>
-            </p:cNvPr>
-            <p:cNvSpPr/>
-            <p:nvPr/>
-          </p:nvSpPr>
-          <p:spPr>
-            <a:xfrm>
-              <a:off x="6662943" y="5345520"/>
-              <a:ext cx="1370880" cy="364306"/>
+              <a:off x="3491922" y="2451486"/>
+              <a:ext cx="1766861" cy="379263"/>
             </a:xfrm>
             <a:prstGeom prst="ellipse">
               <a:avLst/>
@@ -5476,55 +5044,7 @@
               <a:pPr algn="ctr"/>
               <a:r>
                 <a:rPr lang="en-US" altLang="ko-KR" dirty="0" err="1"/>
-                <a:t>is_noti</a:t>
-              </a:r>
-              <a:endParaRPr lang="ko-KR" altLang="en-US" dirty="0"/>
-            </a:p>
-          </p:txBody>
-        </p:sp>
-        <p:sp>
-          <p:nvSpPr>
-            <p:cNvPr id="43" name="타원 42">
-              <a:extLst>
-                <a:ext uri="{FF2B5EF4-FFF2-40B4-BE49-F238E27FC236}">
-                  <a16:creationId xmlns:a16="http://schemas.microsoft.com/office/drawing/2014/main" id="{9F1359EA-F67D-42AC-B77E-5F01AD7C856E}"/>
-                </a:ext>
-              </a:extLst>
-            </p:cNvPr>
-            <p:cNvSpPr/>
-            <p:nvPr/>
-          </p:nvSpPr>
-          <p:spPr>
-            <a:xfrm>
-              <a:off x="8993686" y="4865611"/>
-              <a:ext cx="2125949" cy="364306"/>
-            </a:xfrm>
-            <a:prstGeom prst="ellipse">
-              <a:avLst/>
-            </a:prstGeom>
-          </p:spPr>
-          <p:style>
-            <a:lnRef idx="2">
-              <a:schemeClr val="accent1"/>
-            </a:lnRef>
-            <a:fillRef idx="1">
-              <a:schemeClr val="lt1"/>
-            </a:fillRef>
-            <a:effectRef idx="0">
-              <a:schemeClr val="accent1"/>
-            </a:effectRef>
-            <a:fontRef idx="minor">
-              <a:schemeClr val="dk1"/>
-            </a:fontRef>
-          </p:style>
-          <p:txBody>
-            <a:bodyPr rtlCol="0" anchor="ctr"/>
-            <a:lstStyle/>
-            <a:p>
-              <a:pPr algn="ctr"/>
-              <a:r>
-                <a:rPr lang="en-US" altLang="ko-KR" dirty="0" err="1"/>
-                <a:t>view_log_cnt</a:t>
+                <a:t>fcm_token</a:t>
               </a:r>
               <a:endParaRPr lang="ko-KR" altLang="en-US" dirty="0"/>
             </a:p>
@@ -5532,251 +5052,24 @@
         </p:sp>
         <p:cxnSp>
           <p:nvCxnSpPr>
-            <p:cNvPr id="45" name="직선 연결선 44">
+            <p:cNvPr id="40" name="직선 연결선 39">
               <a:extLst>
                 <a:ext uri="{FF2B5EF4-FFF2-40B4-BE49-F238E27FC236}">
-                  <a16:creationId xmlns:a16="http://schemas.microsoft.com/office/drawing/2014/main" id="{4E9C89CD-7A37-46A4-AD96-9F441B8E693A}"/>
+                  <a16:creationId xmlns:a16="http://schemas.microsoft.com/office/drawing/2014/main" id="{EF945082-004D-43BE-A197-E4E38CF7EAA8}"/>
                 </a:ext>
               </a:extLst>
             </p:cNvPr>
             <p:cNvCxnSpPr>
               <a:cxnSpLocks/>
-              <a:stCxn id="41" idx="2"/>
-              <a:endCxn id="42" idx="0"/>
-            </p:cNvCxnSpPr>
-            <p:nvPr/>
-          </p:nvCxnSpPr>
-          <p:spPr>
-            <a:xfrm flipH="1">
-              <a:off x="7348383" y="4569159"/>
-              <a:ext cx="1174096" cy="776361"/>
-            </a:xfrm>
-            <a:prstGeom prst="line">
-              <a:avLst/>
-            </a:prstGeom>
-          </p:spPr>
-          <p:style>
-            <a:lnRef idx="1">
-              <a:schemeClr val="accent1"/>
-            </a:lnRef>
-            <a:fillRef idx="0">
-              <a:schemeClr val="accent1"/>
-            </a:fillRef>
-            <a:effectRef idx="0">
-              <a:schemeClr val="accent1"/>
-            </a:effectRef>
-            <a:fontRef idx="minor">
-              <a:schemeClr val="tx1"/>
-            </a:fontRef>
-          </p:style>
-        </p:cxnSp>
-        <p:cxnSp>
-          <p:nvCxnSpPr>
-            <p:cNvPr id="47" name="직선 연결선 46">
-              <a:extLst>
-                <a:ext uri="{FF2B5EF4-FFF2-40B4-BE49-F238E27FC236}">
-                  <a16:creationId xmlns:a16="http://schemas.microsoft.com/office/drawing/2014/main" id="{F8A7FC8C-3888-4662-81CA-0D61984419ED}"/>
-                </a:ext>
-              </a:extLst>
-            </p:cNvPr>
-            <p:cNvCxnSpPr>
-              <a:cxnSpLocks/>
-              <a:stCxn id="41" idx="2"/>
-              <a:endCxn id="43" idx="0"/>
+              <a:stCxn id="4" idx="2"/>
+              <a:endCxn id="37" idx="1"/>
             </p:cNvCxnSpPr>
             <p:nvPr/>
           </p:nvCxnSpPr>
           <p:spPr>
             <a:xfrm>
-              <a:off x="8522479" y="4569159"/>
-              <a:ext cx="1534182" cy="296452"/>
-            </a:xfrm>
-            <a:prstGeom prst="line">
-              <a:avLst/>
-            </a:prstGeom>
-          </p:spPr>
-          <p:style>
-            <a:lnRef idx="1">
-              <a:schemeClr val="accent1"/>
-            </a:lnRef>
-            <a:fillRef idx="0">
-              <a:schemeClr val="accent1"/>
-            </a:fillRef>
-            <a:effectRef idx="0">
-              <a:schemeClr val="accent1"/>
-            </a:effectRef>
-            <a:fontRef idx="minor">
-              <a:schemeClr val="tx1"/>
-            </a:fontRef>
-          </p:style>
-        </p:cxnSp>
-        <p:cxnSp>
-          <p:nvCxnSpPr>
-            <p:cNvPr id="67" name="직선 연결선 66">
-              <a:extLst>
-                <a:ext uri="{FF2B5EF4-FFF2-40B4-BE49-F238E27FC236}">
-                  <a16:creationId xmlns:a16="http://schemas.microsoft.com/office/drawing/2014/main" id="{F61A0256-959E-40E8-BF9B-AB44E9F216E0}"/>
-                </a:ext>
-              </a:extLst>
-            </p:cNvPr>
-            <p:cNvCxnSpPr>
-              <a:cxnSpLocks/>
-              <a:stCxn id="41" idx="2"/>
-              <a:endCxn id="72" idx="0"/>
-            </p:cNvCxnSpPr>
-            <p:nvPr/>
-          </p:nvCxnSpPr>
-          <p:spPr>
-            <a:xfrm>
-              <a:off x="8522479" y="4569159"/>
-              <a:ext cx="224756" cy="826266"/>
-            </a:xfrm>
-            <a:prstGeom prst="line">
-              <a:avLst/>
-            </a:prstGeom>
-          </p:spPr>
-          <p:style>
-            <a:lnRef idx="1">
-              <a:schemeClr val="accent1"/>
-            </a:lnRef>
-            <a:fillRef idx="0">
-              <a:schemeClr val="accent1"/>
-            </a:fillRef>
-            <a:effectRef idx="0">
-              <a:schemeClr val="accent1"/>
-            </a:effectRef>
-            <a:fontRef idx="minor">
-              <a:schemeClr val="tx1"/>
-            </a:fontRef>
-          </p:style>
-        </p:cxnSp>
-        <p:sp>
-          <p:nvSpPr>
-            <p:cNvPr id="72" name="타원 71">
-              <a:extLst>
-                <a:ext uri="{FF2B5EF4-FFF2-40B4-BE49-F238E27FC236}">
-                  <a16:creationId xmlns:a16="http://schemas.microsoft.com/office/drawing/2014/main" id="{E02CB66F-BDB4-44FD-9AB8-396B7A2DF20D}"/>
-                </a:ext>
-              </a:extLst>
-            </p:cNvPr>
-            <p:cNvSpPr/>
-            <p:nvPr/>
-          </p:nvSpPr>
-          <p:spPr>
-            <a:xfrm>
-              <a:off x="8196708" y="5395425"/>
-              <a:ext cx="1101054" cy="625636"/>
-            </a:xfrm>
-            <a:prstGeom prst="ellipse">
-              <a:avLst/>
-            </a:prstGeom>
-          </p:spPr>
-          <p:style>
-            <a:lnRef idx="2">
-              <a:schemeClr val="accent1"/>
-            </a:lnRef>
-            <a:fillRef idx="1">
-              <a:schemeClr val="lt1"/>
-            </a:fillRef>
-            <a:effectRef idx="0">
-              <a:schemeClr val="accent1"/>
-            </a:effectRef>
-            <a:fontRef idx="minor">
-              <a:schemeClr val="dk1"/>
-            </a:fontRef>
-          </p:style>
-          <p:txBody>
-            <a:bodyPr rtlCol="0" anchor="ctr"/>
-            <a:lstStyle/>
-            <a:p>
-              <a:pPr algn="ctr"/>
-              <a:r>
-                <a:rPr lang="en-US" altLang="ko-KR" dirty="0" err="1"/>
-                <a:t>fcm</a:t>
-              </a:r>
-              <a:r>
-                <a:rPr lang="en-US" altLang="ko-KR" dirty="0"/>
-                <a:t>_</a:t>
-              </a:r>
-            </a:p>
-            <a:p>
-              <a:pPr algn="ctr"/>
-              <a:r>
-                <a:rPr lang="en-US" altLang="ko-KR" dirty="0"/>
-                <a:t>token</a:t>
-              </a:r>
-              <a:endParaRPr lang="ko-KR" altLang="en-US" dirty="0"/>
-            </a:p>
-          </p:txBody>
-        </p:sp>
-        <p:sp>
-          <p:nvSpPr>
-            <p:cNvPr id="77" name="타원 76">
-              <a:extLst>
-                <a:ext uri="{FF2B5EF4-FFF2-40B4-BE49-F238E27FC236}">
-                  <a16:creationId xmlns:a16="http://schemas.microsoft.com/office/drawing/2014/main" id="{6991B517-73C7-4646-8830-AD646A8CE57D}"/>
-                </a:ext>
-              </a:extLst>
-            </p:cNvPr>
-            <p:cNvSpPr/>
-            <p:nvPr/>
-          </p:nvSpPr>
-          <p:spPr>
-            <a:xfrm>
-              <a:off x="5853887" y="4981214"/>
-              <a:ext cx="998290" cy="364306"/>
-            </a:xfrm>
-            <a:prstGeom prst="ellipse">
-              <a:avLst/>
-            </a:prstGeom>
-          </p:spPr>
-          <p:style>
-            <a:lnRef idx="2">
-              <a:schemeClr val="accent1"/>
-            </a:lnRef>
-            <a:fillRef idx="1">
-              <a:schemeClr val="lt1"/>
-            </a:fillRef>
-            <a:effectRef idx="0">
-              <a:schemeClr val="accent1"/>
-            </a:effectRef>
-            <a:fontRef idx="minor">
-              <a:schemeClr val="dk1"/>
-            </a:fontRef>
-          </p:style>
-          <p:txBody>
-            <a:bodyPr rtlCol="0" anchor="ctr"/>
-            <a:lstStyle/>
-            <a:p>
-              <a:pPr algn="ctr"/>
-              <a:r>
-                <a:rPr lang="en-US" altLang="ko-KR" u="sng" dirty="0"/>
-                <a:t>id</a:t>
-              </a:r>
-              <a:endParaRPr lang="ko-KR" altLang="en-US" u="sng" dirty="0"/>
-            </a:p>
-          </p:txBody>
-        </p:sp>
-        <p:cxnSp>
-          <p:nvCxnSpPr>
-            <p:cNvPr id="78" name="직선 연결선 77">
-              <a:extLst>
-                <a:ext uri="{FF2B5EF4-FFF2-40B4-BE49-F238E27FC236}">
-                  <a16:creationId xmlns:a16="http://schemas.microsoft.com/office/drawing/2014/main" id="{38475767-F33A-4CF4-A095-DCDF3D04546C}"/>
-                </a:ext>
-              </a:extLst>
-            </p:cNvPr>
-            <p:cNvCxnSpPr>
-              <a:cxnSpLocks/>
-              <a:stCxn id="41" idx="2"/>
-              <a:endCxn id="77" idx="6"/>
-            </p:cNvCxnSpPr>
-            <p:nvPr/>
-          </p:nvCxnSpPr>
-          <p:spPr>
-            <a:xfrm flipH="1">
-              <a:off x="6852177" y="4569159"/>
-              <a:ext cx="1670302" cy="594208"/>
+              <a:off x="2609436" y="2149870"/>
+              <a:ext cx="1141237" cy="357158"/>
             </a:xfrm>
             <a:prstGeom prst="line">
               <a:avLst/>
@@ -5899,7 +5192,7 @@
             <a:pPr algn="ctr"/>
             <a:r>
               <a:rPr lang="en-US" altLang="ko-KR" dirty="0"/>
-              <a:t>User</a:t>
+              <a:t>user</a:t>
             </a:r>
             <a:endParaRPr lang="ko-KR" altLang="en-US" dirty="0"/>
           </a:p>
@@ -5947,7 +5240,7 @@
             <a:pPr algn="ctr"/>
             <a:r>
               <a:rPr lang="en-US" altLang="ko-KR" dirty="0"/>
-              <a:t>Device</a:t>
+              <a:t>device</a:t>
             </a:r>
             <a:endParaRPr lang="ko-KR" altLang="en-US" dirty="0"/>
           </a:p>
@@ -5996,7 +5289,7 @@
             <a:pPr algn="ctr"/>
             <a:r>
               <a:rPr lang="en-US" altLang="ko-KR" dirty="0"/>
-              <a:t>Log</a:t>
+              <a:t>log</a:t>
             </a:r>
             <a:endParaRPr lang="ko-KR" altLang="en-US" dirty="0"/>
           </a:p>
@@ -6099,141 +5392,6 @@
           </a:p>
         </p:txBody>
       </p:sp>
-      <p:sp>
-        <p:nvSpPr>
-          <p:cNvPr id="28" name="직사각형 27">
-            <a:extLst>
-              <a:ext uri="{FF2B5EF4-FFF2-40B4-BE49-F238E27FC236}">
-                <a16:creationId xmlns:a16="http://schemas.microsoft.com/office/drawing/2014/main" id="{B284EF26-BBDE-4B37-84BC-4FB21CAC1177}"/>
-              </a:ext>
-            </a:extLst>
-          </p:cNvPr>
-          <p:cNvSpPr/>
-          <p:nvPr/>
-        </p:nvSpPr>
-        <p:spPr>
-          <a:xfrm>
-            <a:off x="2156668" y="2474840"/>
-            <a:ext cx="1550567" cy="360727"/>
-          </a:xfrm>
-          <a:prstGeom prst="rect">
-            <a:avLst/>
-          </a:prstGeom>
-        </p:spPr>
-        <p:style>
-          <a:lnRef idx="2">
-            <a:schemeClr val="accent1"/>
-          </a:lnRef>
-          <a:fillRef idx="1">
-            <a:schemeClr val="lt1"/>
-          </a:fillRef>
-          <a:effectRef idx="0">
-            <a:schemeClr val="accent1"/>
-          </a:effectRef>
-          <a:fontRef idx="minor">
-            <a:schemeClr val="dk1"/>
-          </a:fontRef>
-        </p:style>
-        <p:txBody>
-          <a:bodyPr rtlCol="0" anchor="ctr"/>
-          <a:lstStyle/>
-          <a:p>
-            <a:pPr algn="ctr"/>
-            <a:r>
-              <a:rPr lang="en-US" altLang="ko-KR" dirty="0" err="1"/>
-              <a:t>App_settings</a:t>
-            </a:r>
-            <a:endParaRPr lang="ko-KR" altLang="en-US" dirty="0"/>
-          </a:p>
-        </p:txBody>
-      </p:sp>
-      <p:sp>
-        <p:nvSpPr>
-          <p:cNvPr id="29" name="순서도: 판단 28">
-            <a:extLst>
-              <a:ext uri="{FF2B5EF4-FFF2-40B4-BE49-F238E27FC236}">
-                <a16:creationId xmlns:a16="http://schemas.microsoft.com/office/drawing/2014/main" id="{C187D1C1-6833-4042-A94E-0DD8D12BE5DB}"/>
-              </a:ext>
-            </a:extLst>
-          </p:cNvPr>
-          <p:cNvSpPr/>
-          <p:nvPr/>
-        </p:nvSpPr>
-        <p:spPr>
-          <a:xfrm>
-            <a:off x="2181136" y="3176940"/>
-            <a:ext cx="1501629" cy="538995"/>
-          </a:xfrm>
-          <a:prstGeom prst="flowChartDecision">
-            <a:avLst/>
-          </a:prstGeom>
-        </p:spPr>
-        <p:style>
-          <a:lnRef idx="2">
-            <a:schemeClr val="accent1"/>
-          </a:lnRef>
-          <a:fillRef idx="1">
-            <a:schemeClr val="lt1"/>
-          </a:fillRef>
-          <a:effectRef idx="0">
-            <a:schemeClr val="accent1"/>
-          </a:effectRef>
-          <a:fontRef idx="minor">
-            <a:schemeClr val="dk1"/>
-          </a:fontRef>
-        </p:style>
-        <p:txBody>
-          <a:bodyPr rtlCol="0" anchor="ctr"/>
-          <a:lstStyle/>
-          <a:p>
-            <a:pPr algn="ctr"/>
-            <a:r>
-              <a:rPr lang="en-US" altLang="ko-KR" dirty="0"/>
-              <a:t>use</a:t>
-            </a:r>
-            <a:endParaRPr lang="ko-KR" altLang="en-US" dirty="0"/>
-          </a:p>
-        </p:txBody>
-      </p:sp>
-      <p:cxnSp>
-        <p:nvCxnSpPr>
-          <p:cNvPr id="10" name="직선 연결선 9">
-            <a:extLst>
-              <a:ext uri="{FF2B5EF4-FFF2-40B4-BE49-F238E27FC236}">
-                <a16:creationId xmlns:a16="http://schemas.microsoft.com/office/drawing/2014/main" id="{FA564276-A65D-453F-9EB4-C7E77FCB0FF8}"/>
-              </a:ext>
-            </a:extLst>
-          </p:cNvPr>
-          <p:cNvCxnSpPr>
-            <a:stCxn id="28" idx="2"/>
-            <a:endCxn id="29" idx="0"/>
-          </p:cNvCxnSpPr>
-          <p:nvPr/>
-        </p:nvCxnSpPr>
-        <p:spPr>
-          <a:xfrm flipH="1">
-            <a:off x="2931951" y="2835567"/>
-            <a:ext cx="1" cy="341373"/>
-          </a:xfrm>
-          <a:prstGeom prst="line">
-            <a:avLst/>
-          </a:prstGeom>
-        </p:spPr>
-        <p:style>
-          <a:lnRef idx="1">
-            <a:schemeClr val="accent1"/>
-          </a:lnRef>
-          <a:fillRef idx="0">
-            <a:schemeClr val="accent1"/>
-          </a:fillRef>
-          <a:effectRef idx="0">
-            <a:schemeClr val="accent1"/>
-          </a:effectRef>
-          <a:fontRef idx="minor">
-            <a:schemeClr val="tx1"/>
-          </a:fontRef>
-        </p:style>
-      </p:cxnSp>
       <p:cxnSp>
         <p:nvCxnSpPr>
           <p:cNvPr id="31" name="직선 연결선 30">
@@ -6356,46 +5514,6 @@
       </p:cxnSp>
       <p:cxnSp>
         <p:nvCxnSpPr>
-          <p:cNvPr id="37" name="직선 연결선 36">
-            <a:extLst>
-              <a:ext uri="{FF2B5EF4-FFF2-40B4-BE49-F238E27FC236}">
-                <a16:creationId xmlns:a16="http://schemas.microsoft.com/office/drawing/2014/main" id="{3A45DF88-FBD7-4538-8DAA-3A33A9F8D7F8}"/>
-              </a:ext>
-            </a:extLst>
-          </p:cNvPr>
-          <p:cNvCxnSpPr>
-            <a:cxnSpLocks/>
-            <a:stCxn id="29" idx="2"/>
-            <a:endCxn id="4" idx="0"/>
-          </p:cNvCxnSpPr>
-          <p:nvPr/>
-        </p:nvCxnSpPr>
-        <p:spPr>
-          <a:xfrm>
-            <a:off x="2931951" y="3715935"/>
-            <a:ext cx="1" cy="503922"/>
-          </a:xfrm>
-          <a:prstGeom prst="line">
-            <a:avLst/>
-          </a:prstGeom>
-        </p:spPr>
-        <p:style>
-          <a:lnRef idx="1">
-            <a:schemeClr val="accent1"/>
-          </a:lnRef>
-          <a:fillRef idx="0">
-            <a:schemeClr val="accent1"/>
-          </a:fillRef>
-          <a:effectRef idx="0">
-            <a:schemeClr val="accent1"/>
-          </a:effectRef>
-          <a:fontRef idx="minor">
-            <a:schemeClr val="tx1"/>
-          </a:fontRef>
-        </p:style>
-      </p:cxnSp>
-      <p:cxnSp>
-        <p:nvCxnSpPr>
           <p:cNvPr id="43" name="직선 연결선 42">
             <a:extLst>
               <a:ext uri="{FF2B5EF4-FFF2-40B4-BE49-F238E27FC236}">
@@ -6434,78 +5552,6 @@
           </a:fontRef>
         </p:style>
       </p:cxnSp>
-      <p:sp>
-        <p:nvSpPr>
-          <p:cNvPr id="50" name="TextBox 49">
-            <a:extLst>
-              <a:ext uri="{FF2B5EF4-FFF2-40B4-BE49-F238E27FC236}">
-                <a16:creationId xmlns:a16="http://schemas.microsoft.com/office/drawing/2014/main" id="{CF9975D7-3D58-4F5D-B644-5A4E85E026D5}"/>
-              </a:ext>
-            </a:extLst>
-          </p:cNvPr>
-          <p:cNvSpPr txBox="1"/>
-          <p:nvPr/>
-        </p:nvSpPr>
-        <p:spPr>
-          <a:xfrm>
-            <a:off x="2641649" y="2762211"/>
-            <a:ext cx="174397" cy="276999"/>
-          </a:xfrm>
-          <a:prstGeom prst="rect">
-            <a:avLst/>
-          </a:prstGeom>
-          <a:noFill/>
-        </p:spPr>
-        <p:txBody>
-          <a:bodyPr wrap="square" rtlCol="0">
-            <a:spAutoFit/>
-          </a:bodyPr>
-          <a:lstStyle/>
-          <a:p>
-            <a:r>
-              <a:rPr lang="en-US" altLang="ko-KR" sz="1200" dirty="0"/>
-              <a:t>1</a:t>
-            </a:r>
-            <a:endParaRPr lang="ko-KR" altLang="en-US" sz="1200" dirty="0"/>
-          </a:p>
-        </p:txBody>
-      </p:sp>
-      <p:sp>
-        <p:nvSpPr>
-          <p:cNvPr id="51" name="TextBox 50">
-            <a:extLst>
-              <a:ext uri="{FF2B5EF4-FFF2-40B4-BE49-F238E27FC236}">
-                <a16:creationId xmlns:a16="http://schemas.microsoft.com/office/drawing/2014/main" id="{C439DADA-A71F-4498-8B67-90FF16413C61}"/>
-              </a:ext>
-            </a:extLst>
-          </p:cNvPr>
-          <p:cNvSpPr txBox="1"/>
-          <p:nvPr/>
-        </p:nvSpPr>
-        <p:spPr>
-          <a:xfrm>
-            <a:off x="2671009" y="3987362"/>
-            <a:ext cx="174397" cy="276999"/>
-          </a:xfrm>
-          <a:prstGeom prst="rect">
-            <a:avLst/>
-          </a:prstGeom>
-          <a:noFill/>
-        </p:spPr>
-        <p:txBody>
-          <a:bodyPr wrap="square" rtlCol="0">
-            <a:spAutoFit/>
-          </a:bodyPr>
-          <a:lstStyle/>
-          <a:p>
-            <a:r>
-              <a:rPr lang="en-US" altLang="ko-KR" sz="1200" dirty="0"/>
-              <a:t>1</a:t>
-            </a:r>
-            <a:endParaRPr lang="ko-KR" altLang="en-US" sz="1200" dirty="0"/>
-          </a:p>
-        </p:txBody>
-      </p:sp>
       <p:sp>
         <p:nvSpPr>
           <p:cNvPr id="52" name="TextBox 51">
@@ -7083,7 +6129,7 @@
                   <a:schemeClr val="tx1"/>
                 </a:solidFill>
               </a:rPr>
-              <a:t>User</a:t>
+              <a:t>user</a:t>
             </a:r>
             <a:endParaRPr lang="ko-KR" altLang="en-US" b="1" dirty="0">
               <a:ln w="9525" cap="flat" cmpd="sng">
@@ -7253,108 +6299,7 @@
                   <a:schemeClr val="tx1"/>
                 </a:solidFill>
               </a:rPr>
-              <a:t>Device</a:t>
-            </a:r>
-            <a:endParaRPr lang="ko-KR" altLang="en-US" b="1" dirty="0">
-              <a:ln w="9525" cap="flat" cmpd="sng">
-                <a:solidFill>
-                  <a:schemeClr val="tx1"/>
-                </a:solidFill>
-                <a:prstDash val="solid"/>
-                <a:round/>
-              </a:ln>
-              <a:solidFill>
-                <a:schemeClr val="tx1"/>
-              </a:solidFill>
-            </a:endParaRPr>
-          </a:p>
-        </p:txBody>
-      </p:sp>
-      <p:sp>
-        <p:nvSpPr>
-          <p:cNvPr id="16" name="사각형: 빗면 15">
-            <a:extLst>
-              <a:ext uri="{FF2B5EF4-FFF2-40B4-BE49-F238E27FC236}">
-                <a16:creationId xmlns:a16="http://schemas.microsoft.com/office/drawing/2014/main" id="{A523BAF0-E3E2-4BA0-A9A7-029B39CCBB4B}"/>
-              </a:ext>
-            </a:extLst>
-          </p:cNvPr>
-          <p:cNvSpPr/>
-          <p:nvPr/>
-        </p:nvSpPr>
-        <p:spPr>
-          <a:xfrm>
-            <a:off x="1279953" y="4936513"/>
-            <a:ext cx="1609200" cy="864000"/>
-          </a:xfrm>
-          <a:prstGeom prst="bevel">
-            <a:avLst>
-              <a:gd name="adj" fmla="val 12500"/>
-            </a:avLst>
-          </a:prstGeom>
-          <a:solidFill>
-            <a:schemeClr val="bg1"/>
-          </a:solidFill>
-        </p:spPr>
-        <p:style>
-          <a:lnRef idx="2">
-            <a:schemeClr val="accent1">
-              <a:shade val="20000"/>
-            </a:schemeClr>
-          </a:lnRef>
-          <a:fillRef idx="1">
-            <a:schemeClr val="accent1"/>
-          </a:fillRef>
-          <a:effectRef idx="0">
-            <a:schemeClr val="accent1"/>
-          </a:effectRef>
-          <a:fontRef idx="minor">
-            <a:schemeClr val="lt1"/>
-          </a:fontRef>
-        </p:style>
-        <p:txBody>
-          <a:bodyPr vert="horz" wrap="square" lIns="91440" tIns="45720" rIns="91440" bIns="45720" anchor="ctr">
-            <a:noAutofit/>
-          </a:bodyPr>
-          <a:lstStyle/>
-          <a:p>
-            <a:pPr algn="ctr">
-              <a:defRPr lang="ko-KR" altLang="en-US"/>
-            </a:pPr>
-            <a:r>
-              <a:rPr lang="en-US" altLang="ko-KR" b="1" dirty="0">
-                <a:ln w="9525" cap="flat" cmpd="sng">
-                  <a:solidFill>
-                    <a:schemeClr val="tx1"/>
-                  </a:solidFill>
-                  <a:prstDash val="solid"/>
-                  <a:round/>
-                </a:ln>
-                <a:solidFill>
-                  <a:schemeClr val="tx1"/>
-                </a:solidFill>
-              </a:rPr>
-              <a:t>App_</a:t>
-            </a:r>
-          </a:p>
-          <a:p>
-            <a:pPr algn="ctr">
-              <a:defRPr lang="ko-KR" altLang="en-US"/>
-            </a:pPr>
-            <a:r>
-              <a:rPr lang="en-US" altLang="ko-KR" b="1" dirty="0" err="1">
-                <a:ln w="9525" cap="flat" cmpd="sng">
-                  <a:solidFill>
-                    <a:schemeClr val="tx1"/>
-                  </a:solidFill>
-                  <a:prstDash val="solid"/>
-                  <a:round/>
-                </a:ln>
-                <a:solidFill>
-                  <a:schemeClr val="tx1"/>
-                </a:solidFill>
-              </a:rPr>
-              <a:t>Setttings</a:t>
+              <a:t>device</a:t>
             </a:r>
             <a:endParaRPr lang="ko-KR" altLang="en-US" b="1" dirty="0">
               <a:ln w="9525" cap="flat" cmpd="sng">
@@ -7435,7 +6380,7 @@
                   <a:schemeClr val="tx1"/>
                 </a:solidFill>
               </a:rPr>
-              <a:t>Log</a:t>
+              <a:t>log</a:t>
             </a:r>
             <a:endParaRPr lang="ko-KR" altLang="en-US" b="1" dirty="0">
               <a:ln w="9525" cap="flat" cmpd="sng">
@@ -7637,143 +6582,6 @@
                 </a:solidFill>
               </a:rPr>
               <a:t>, memo </a:t>
-            </a:r>
-            <a:endParaRPr lang="ko-KR" altLang="en-US" b="1" dirty="0">
-              <a:solidFill>
-                <a:schemeClr val="tx1"/>
-              </a:solidFill>
-            </a:endParaRPr>
-          </a:p>
-        </p:txBody>
-      </p:sp>
-      <p:sp>
-        <p:nvSpPr>
-          <p:cNvPr id="22" name="직사각형 21">
-            <a:extLst>
-              <a:ext uri="{FF2B5EF4-FFF2-40B4-BE49-F238E27FC236}">
-                <a16:creationId xmlns:a16="http://schemas.microsoft.com/office/drawing/2014/main" id="{870FAE23-6941-44EA-AE5D-06F8869B0BCC}"/>
-              </a:ext>
-            </a:extLst>
-          </p:cNvPr>
-          <p:cNvSpPr/>
-          <p:nvPr/>
-        </p:nvSpPr>
-        <p:spPr>
-          <a:xfrm>
-            <a:off x="3625238" y="5003113"/>
-            <a:ext cx="7173526" cy="730800"/>
-          </a:xfrm>
-          <a:prstGeom prst="rect">
-            <a:avLst/>
-          </a:prstGeom>
-          <a:solidFill>
-            <a:schemeClr val="bg1"/>
-          </a:solidFill>
-        </p:spPr>
-        <p:style>
-          <a:lnRef idx="2">
-            <a:schemeClr val="accent1">
-              <a:shade val="20000"/>
-            </a:schemeClr>
-          </a:lnRef>
-          <a:fillRef idx="1">
-            <a:schemeClr val="accent1"/>
-          </a:fillRef>
-          <a:effectRef idx="0">
-            <a:schemeClr val="accent1"/>
-          </a:effectRef>
-          <a:fontRef idx="minor">
-            <a:schemeClr val="lt1"/>
-          </a:fontRef>
-        </p:style>
-        <p:txBody>
-          <a:bodyPr vert="horz" wrap="square" lIns="91440" tIns="45720" rIns="91440" bIns="45720" anchor="ctr">
-            <a:noAutofit/>
-          </a:bodyPr>
-          <a:lstStyle/>
-          <a:p>
-            <a:pPr algn="ctr">
-              <a:defRPr lang="ko-KR" altLang="en-US"/>
-            </a:pPr>
-            <a:r>
-              <a:rPr lang="en-US" altLang="ko-KR" b="1" u="sng" dirty="0">
-                <a:solidFill>
-                  <a:schemeClr val="tx1"/>
-                </a:solidFill>
-              </a:rPr>
-              <a:t>id</a:t>
-            </a:r>
-            <a:r>
-              <a:rPr lang="en-US" altLang="ko-KR" b="1" dirty="0">
-                <a:solidFill>
-                  <a:schemeClr val="tx1"/>
-                </a:solidFill>
-              </a:rPr>
-              <a:t>, </a:t>
-            </a:r>
-            <a:r>
-              <a:rPr lang="en-US" altLang="ko-KR" b="1" dirty="0" err="1">
-                <a:solidFill>
-                  <a:schemeClr val="tx1"/>
-                </a:solidFill>
-              </a:rPr>
-              <a:t>is_noti</a:t>
-            </a:r>
-            <a:r>
-              <a:rPr lang="en-US" altLang="ko-KR" b="1" dirty="0">
-                <a:solidFill>
-                  <a:schemeClr val="tx1"/>
-                </a:solidFill>
-              </a:rPr>
-              <a:t>, </a:t>
-            </a:r>
-            <a:r>
-              <a:rPr lang="en-US" altLang="ko-KR" b="1" dirty="0" err="1">
-                <a:solidFill>
-                  <a:schemeClr val="tx1"/>
-                </a:solidFill>
-              </a:rPr>
-              <a:t>fcm_token</a:t>
-            </a:r>
-            <a:r>
-              <a:rPr lang="en-US" altLang="ko-KR" b="1" dirty="0">
-                <a:solidFill>
-                  <a:schemeClr val="tx1"/>
-                </a:solidFill>
-              </a:rPr>
-              <a:t>, </a:t>
-            </a:r>
-            <a:r>
-              <a:rPr lang="en-US" altLang="ko-KR" b="1" dirty="0" err="1">
-                <a:solidFill>
-                  <a:schemeClr val="tx1"/>
-                </a:solidFill>
-              </a:rPr>
-              <a:t>view_log_cnt</a:t>
-            </a:r>
-            <a:r>
-              <a:rPr lang="en-US" altLang="ko-KR" b="1" dirty="0">
-                <a:solidFill>
-                  <a:schemeClr val="tx1"/>
-                </a:solidFill>
-              </a:rPr>
-              <a:t>, </a:t>
-            </a:r>
-            <a:r>
-              <a:rPr lang="en-US" altLang="ko-KR" b="1" dirty="0" err="1">
-                <a:solidFill>
-                  <a:schemeClr val="tx1"/>
-                </a:solidFill>
-              </a:rPr>
-              <a:t>user_id</a:t>
-            </a:r>
-            <a:r>
-              <a:rPr lang="en-US" altLang="ko-KR" b="1" dirty="0">
-                <a:solidFill>
-                  <a:schemeClr val="tx1"/>
-                </a:solidFill>
-              </a:rPr>
-              <a:t>(F.K.) </a:t>
             </a:r>
             <a:endParaRPr lang="ko-KR" altLang="en-US" b="1" dirty="0">
               <a:solidFill>
@@ -7911,7 +6719,7 @@
                   <a:schemeClr val="tx1"/>
                 </a:solidFill>
               </a:rPr>
-              <a:t>Writes</a:t>
+              <a:t>writes</a:t>
             </a:r>
             <a:endParaRPr lang="ko-KR" altLang="en-US" b="1" dirty="0">
               <a:ln w="9525" cap="flat" cmpd="sng">
@@ -8112,7 +6920,7 @@
         <p:spPr>
           <a:xfrm>
             <a:off x="998376" y="1464906"/>
-            <a:ext cx="10355424" cy="2308324"/>
+            <a:ext cx="10355424" cy="2031325"/>
           </a:xfrm>
           <a:prstGeom prst="rect">
             <a:avLst/>
@@ -8140,7 +6948,7 @@
           <a:p>
             <a:r>
               <a:rPr lang="en-US" altLang="ko-KR" b="1" dirty="0"/>
-              <a:t>Create table User</a:t>
+              <a:t>Create table user</a:t>
             </a:r>
           </a:p>
           <a:p>
@@ -8168,39 +6976,17 @@
             </a:r>
             <a:r>
               <a:rPr lang="en-US" altLang="ko-KR" b="1" dirty="0" err="1"/>
-              <a:t>app_settings_id</a:t>
+              <a:t>fcm_token</a:t>
             </a:r>
             <a:r>
               <a:rPr lang="en-US" altLang="ko-KR" b="1" dirty="0"/>
-              <a:t>		int,</a:t>
+              <a:t>		varchar(40),</a:t>
             </a:r>
           </a:p>
           <a:p>
             <a:r>
               <a:rPr lang="en-US" altLang="ko-KR" b="1" dirty="0"/>
               <a:t>	primary key(id),</a:t>
-            </a:r>
-          </a:p>
-          <a:p>
-            <a:r>
-              <a:rPr lang="en-US" altLang="ko-KR" b="1" dirty="0"/>
-              <a:t>	foreign key(</a:t>
-            </a:r>
-            <a:r>
-              <a:rPr lang="en-US" altLang="ko-KR" b="1" dirty="0" err="1"/>
-              <a:t>app_settings_id</a:t>
-            </a:r>
-            <a:r>
-              <a:rPr lang="en-US" altLang="ko-KR" b="1" dirty="0"/>
-              <a:t>) references </a:t>
-            </a:r>
-            <a:r>
-              <a:rPr lang="en-US" altLang="ko-KR" b="1" dirty="0" err="1"/>
-              <a:t>App_settings</a:t>
-            </a:r>
-            <a:r>
-              <a:rPr lang="en-US" altLang="ko-KR" b="1" dirty="0"/>
-              <a:t>(id)</a:t>
             </a:r>
           </a:p>
           <a:p>
@@ -8319,7 +7105,7 @@
           <a:p>
             <a:r>
               <a:rPr lang="en-US" altLang="ko-KR" b="1" dirty="0"/>
-              <a:t>Create table Device</a:t>
+              <a:t>Create table device</a:t>
             </a:r>
           </a:p>
           <a:p>
@@ -8496,7 +7282,7 @@
           <a:p>
             <a:r>
               <a:rPr lang="en-US" altLang="ko-KR" b="1" dirty="0"/>
-              <a:t>Create table Log</a:t>
+              <a:t>Create table log</a:t>
             </a:r>
           </a:p>
           <a:p>

--- a/Rasp_data.pptx
+++ b/Rasp_data.pptx
@@ -269,7 +269,7 @@
           <a:p>
             <a:fld id="{7030A974-6B4E-4CB3-BD0C-54D58FE96545}" type="datetimeFigureOut">
               <a:rPr lang="ko-KR" altLang="en-US" smtClean="0"/>
-              <a:t>2018-09-13</a:t>
+              <a:t>2018-09-22</a:t>
             </a:fld>
             <a:endParaRPr lang="ko-KR" altLang="en-US"/>
           </a:p>
@@ -467,7 +467,7 @@
           <a:p>
             <a:fld id="{7030A974-6B4E-4CB3-BD0C-54D58FE96545}" type="datetimeFigureOut">
               <a:rPr lang="ko-KR" altLang="en-US" smtClean="0"/>
-              <a:t>2018-09-13</a:t>
+              <a:t>2018-09-22</a:t>
             </a:fld>
             <a:endParaRPr lang="ko-KR" altLang="en-US"/>
           </a:p>
@@ -675,7 +675,7 @@
           <a:p>
             <a:fld id="{7030A974-6B4E-4CB3-BD0C-54D58FE96545}" type="datetimeFigureOut">
               <a:rPr lang="ko-KR" altLang="en-US" smtClean="0"/>
-              <a:t>2018-09-13</a:t>
+              <a:t>2018-09-22</a:t>
             </a:fld>
             <a:endParaRPr lang="ko-KR" altLang="en-US"/>
           </a:p>
@@ -873,7 +873,7 @@
           <a:p>
             <a:fld id="{7030A974-6B4E-4CB3-BD0C-54D58FE96545}" type="datetimeFigureOut">
               <a:rPr lang="ko-KR" altLang="en-US" smtClean="0"/>
-              <a:t>2018-09-13</a:t>
+              <a:t>2018-09-22</a:t>
             </a:fld>
             <a:endParaRPr lang="ko-KR" altLang="en-US"/>
           </a:p>
@@ -1148,7 +1148,7 @@
           <a:p>
             <a:fld id="{7030A974-6B4E-4CB3-BD0C-54D58FE96545}" type="datetimeFigureOut">
               <a:rPr lang="ko-KR" altLang="en-US" smtClean="0"/>
-              <a:t>2018-09-13</a:t>
+              <a:t>2018-09-22</a:t>
             </a:fld>
             <a:endParaRPr lang="ko-KR" altLang="en-US"/>
           </a:p>
@@ -1413,7 +1413,7 @@
           <a:p>
             <a:fld id="{7030A974-6B4E-4CB3-BD0C-54D58FE96545}" type="datetimeFigureOut">
               <a:rPr lang="ko-KR" altLang="en-US" smtClean="0"/>
-              <a:t>2018-09-13</a:t>
+              <a:t>2018-09-22</a:t>
             </a:fld>
             <a:endParaRPr lang="ko-KR" altLang="en-US"/>
           </a:p>
@@ -1825,7 +1825,7 @@
           <a:p>
             <a:fld id="{7030A974-6B4E-4CB3-BD0C-54D58FE96545}" type="datetimeFigureOut">
               <a:rPr lang="ko-KR" altLang="en-US" smtClean="0"/>
-              <a:t>2018-09-13</a:t>
+              <a:t>2018-09-22</a:t>
             </a:fld>
             <a:endParaRPr lang="ko-KR" altLang="en-US"/>
           </a:p>
@@ -1966,7 +1966,7 @@
           <a:p>
             <a:fld id="{7030A974-6B4E-4CB3-BD0C-54D58FE96545}" type="datetimeFigureOut">
               <a:rPr lang="ko-KR" altLang="en-US" smtClean="0"/>
-              <a:t>2018-09-13</a:t>
+              <a:t>2018-09-22</a:t>
             </a:fld>
             <a:endParaRPr lang="ko-KR" altLang="en-US"/>
           </a:p>
@@ -2079,7 +2079,7 @@
           <a:p>
             <a:fld id="{7030A974-6B4E-4CB3-BD0C-54D58FE96545}" type="datetimeFigureOut">
               <a:rPr lang="ko-KR" altLang="en-US" smtClean="0"/>
-              <a:t>2018-09-13</a:t>
+              <a:t>2018-09-22</a:t>
             </a:fld>
             <a:endParaRPr lang="ko-KR" altLang="en-US"/>
           </a:p>
@@ -2390,7 +2390,7 @@
           <a:p>
             <a:fld id="{7030A974-6B4E-4CB3-BD0C-54D58FE96545}" type="datetimeFigureOut">
               <a:rPr lang="ko-KR" altLang="en-US" smtClean="0"/>
-              <a:t>2018-09-13</a:t>
+              <a:t>2018-09-22</a:t>
             </a:fld>
             <a:endParaRPr lang="ko-KR" altLang="en-US"/>
           </a:p>
@@ -2678,7 +2678,7 @@
           <a:p>
             <a:fld id="{7030A974-6B4E-4CB3-BD0C-54D58FE96545}" type="datetimeFigureOut">
               <a:rPr lang="ko-KR" altLang="en-US" smtClean="0"/>
-              <a:t>2018-09-13</a:t>
+              <a:t>2018-09-22</a:t>
             </a:fld>
             <a:endParaRPr lang="ko-KR" altLang="en-US"/>
           </a:p>
@@ -2919,7 +2919,7 @@
           <a:p>
             <a:fld id="{7030A974-6B4E-4CB3-BD0C-54D58FE96545}" type="datetimeFigureOut">
               <a:rPr lang="ko-KR" altLang="en-US" smtClean="0"/>
-              <a:t>2018-09-13</a:t>
+              <a:t>2018-09-22</a:t>
             </a:fld>
             <a:endParaRPr lang="ko-KR" altLang="en-US"/>
           </a:p>
@@ -3728,7 +3728,7 @@
             </a:r>
             <a:r>
               <a:rPr lang="en-US" altLang="ko-KR" sz="800" b="1" dirty="0"/>
-              <a:t> 	 varchar(40),</a:t>
+              <a:t> 	 varchar(200),</a:t>
             </a:r>
           </a:p>
           <a:p>
@@ -3981,15 +3981,7 @@
             </a:r>
             <a:r>
               <a:rPr lang="en-US" altLang="ko-KR" sz="800" b="1" dirty="0"/>
-              <a:t>) </a:t>
-            </a:r>
-            <a:r>
-              <a:rPr lang="en-US" altLang="ko-KR" sz="800" b="1"/>
-              <a:t>references user</a:t>
-            </a:r>
-            <a:r>
-              <a:rPr lang="en-US" altLang="ko-KR" sz="800" b="1" dirty="0"/>
-              <a:t>(id);</a:t>
+              <a:t>) references user(id);</a:t>
             </a:r>
           </a:p>
         </p:txBody>
@@ -6980,8 +6972,13 @@
             </a:r>
             <a:r>
               <a:rPr lang="en-US" altLang="ko-KR" b="1" dirty="0"/>
-              <a:t>		varchar(40),</a:t>
-            </a:r>
+              <a:t>		</a:t>
+            </a:r>
+            <a:r>
+              <a:rPr lang="en-US" altLang="ko-KR" b="1"/>
+              <a:t>varchar(200),</a:t>
+            </a:r>
+            <a:endParaRPr lang="en-US" altLang="ko-KR" b="1" dirty="0"/>
           </a:p>
           <a:p>
             <a:r>

--- a/Rasp_data.pptx
+++ b/Rasp_data.pptx
@@ -13,9 +13,10 @@
     <p:sldId id="261" r:id="rId7"/>
     <p:sldId id="262" r:id="rId8"/>
     <p:sldId id="263" r:id="rId9"/>
-    <p:sldId id="264" r:id="rId10"/>
-    <p:sldId id="266" r:id="rId11"/>
-    <p:sldId id="267" r:id="rId12"/>
+    <p:sldId id="268" r:id="rId10"/>
+    <p:sldId id="264" r:id="rId11"/>
+    <p:sldId id="266" r:id="rId12"/>
+    <p:sldId id="267" r:id="rId13"/>
   </p:sldIdLst>
   <p:sldSz cx="12192000" cy="6858000"/>
   <p:notesSz cx="6858000" cy="9144000"/>
@@ -269,7 +270,7 @@
           <a:p>
             <a:fld id="{7030A974-6B4E-4CB3-BD0C-54D58FE96545}" type="datetimeFigureOut">
               <a:rPr lang="ko-KR" altLang="en-US" smtClean="0"/>
-              <a:t>2018-09-22</a:t>
+              <a:t>2019-08-16</a:t>
             </a:fld>
             <a:endParaRPr lang="ko-KR" altLang="en-US"/>
           </a:p>
@@ -467,7 +468,7 @@
           <a:p>
             <a:fld id="{7030A974-6B4E-4CB3-BD0C-54D58FE96545}" type="datetimeFigureOut">
               <a:rPr lang="ko-KR" altLang="en-US" smtClean="0"/>
-              <a:t>2018-09-22</a:t>
+              <a:t>2019-08-16</a:t>
             </a:fld>
             <a:endParaRPr lang="ko-KR" altLang="en-US"/>
           </a:p>
@@ -675,7 +676,7 @@
           <a:p>
             <a:fld id="{7030A974-6B4E-4CB3-BD0C-54D58FE96545}" type="datetimeFigureOut">
               <a:rPr lang="ko-KR" altLang="en-US" smtClean="0"/>
-              <a:t>2018-09-22</a:t>
+              <a:t>2019-08-16</a:t>
             </a:fld>
             <a:endParaRPr lang="ko-KR" altLang="en-US"/>
           </a:p>
@@ -873,7 +874,7 @@
           <a:p>
             <a:fld id="{7030A974-6B4E-4CB3-BD0C-54D58FE96545}" type="datetimeFigureOut">
               <a:rPr lang="ko-KR" altLang="en-US" smtClean="0"/>
-              <a:t>2018-09-22</a:t>
+              <a:t>2019-08-16</a:t>
             </a:fld>
             <a:endParaRPr lang="ko-KR" altLang="en-US"/>
           </a:p>
@@ -1148,7 +1149,7 @@
           <a:p>
             <a:fld id="{7030A974-6B4E-4CB3-BD0C-54D58FE96545}" type="datetimeFigureOut">
               <a:rPr lang="ko-KR" altLang="en-US" smtClean="0"/>
-              <a:t>2018-09-22</a:t>
+              <a:t>2019-08-16</a:t>
             </a:fld>
             <a:endParaRPr lang="ko-KR" altLang="en-US"/>
           </a:p>
@@ -1413,7 +1414,7 @@
           <a:p>
             <a:fld id="{7030A974-6B4E-4CB3-BD0C-54D58FE96545}" type="datetimeFigureOut">
               <a:rPr lang="ko-KR" altLang="en-US" smtClean="0"/>
-              <a:t>2018-09-22</a:t>
+              <a:t>2019-08-16</a:t>
             </a:fld>
             <a:endParaRPr lang="ko-KR" altLang="en-US"/>
           </a:p>
@@ -1825,7 +1826,7 @@
           <a:p>
             <a:fld id="{7030A974-6B4E-4CB3-BD0C-54D58FE96545}" type="datetimeFigureOut">
               <a:rPr lang="ko-KR" altLang="en-US" smtClean="0"/>
-              <a:t>2018-09-22</a:t>
+              <a:t>2019-08-16</a:t>
             </a:fld>
             <a:endParaRPr lang="ko-KR" altLang="en-US"/>
           </a:p>
@@ -1966,7 +1967,7 @@
           <a:p>
             <a:fld id="{7030A974-6B4E-4CB3-BD0C-54D58FE96545}" type="datetimeFigureOut">
               <a:rPr lang="ko-KR" altLang="en-US" smtClean="0"/>
-              <a:t>2018-09-22</a:t>
+              <a:t>2019-08-16</a:t>
             </a:fld>
             <a:endParaRPr lang="ko-KR" altLang="en-US"/>
           </a:p>
@@ -2079,7 +2080,7 @@
           <a:p>
             <a:fld id="{7030A974-6B4E-4CB3-BD0C-54D58FE96545}" type="datetimeFigureOut">
               <a:rPr lang="ko-KR" altLang="en-US" smtClean="0"/>
-              <a:t>2018-09-22</a:t>
+              <a:t>2019-08-16</a:t>
             </a:fld>
             <a:endParaRPr lang="ko-KR" altLang="en-US"/>
           </a:p>
@@ -2390,7 +2391,7 @@
           <a:p>
             <a:fld id="{7030A974-6B4E-4CB3-BD0C-54D58FE96545}" type="datetimeFigureOut">
               <a:rPr lang="ko-KR" altLang="en-US" smtClean="0"/>
-              <a:t>2018-09-22</a:t>
+              <a:t>2019-08-16</a:t>
             </a:fld>
             <a:endParaRPr lang="ko-KR" altLang="en-US"/>
           </a:p>
@@ -2678,7 +2679,7 @@
           <a:p>
             <a:fld id="{7030A974-6B4E-4CB3-BD0C-54D58FE96545}" type="datetimeFigureOut">
               <a:rPr lang="ko-KR" altLang="en-US" smtClean="0"/>
-              <a:t>2018-09-22</a:t>
+              <a:t>2019-08-16</a:t>
             </a:fld>
             <a:endParaRPr lang="ko-KR" altLang="en-US"/>
           </a:p>
@@ -2919,7 +2920,7 @@
           <a:p>
             <a:fld id="{7030A974-6B4E-4CB3-BD0C-54D58FE96545}" type="datetimeFigureOut">
               <a:rPr lang="ko-KR" altLang="en-US" smtClean="0"/>
-              <a:t>2018-09-22</a:t>
+              <a:t>2019-08-16</a:t>
             </a:fld>
             <a:endParaRPr lang="ko-KR" altLang="en-US"/>
           </a:p>
@@ -3473,7 +3474,7 @@
         <p:spPr>
           <a:xfrm>
             <a:off x="998376" y="1464906"/>
-            <a:ext cx="10355424" cy="2308324"/>
+            <a:ext cx="10355424" cy="2031325"/>
           </a:xfrm>
           <a:prstGeom prst="rect">
             <a:avLst/>
@@ -3501,8 +3502,13 @@
           <a:p>
             <a:r>
               <a:rPr lang="en-US" altLang="ko-KR" b="1" dirty="0"/>
-              <a:t>Create table writes</a:t>
-            </a:r>
+              <a:t>Create table </a:t>
+            </a:r>
+            <a:r>
+              <a:rPr lang="en-US" altLang="ko-KR" b="1" dirty="0" err="1"/>
+              <a:t>call_log</a:t>
+            </a:r>
+            <a:endParaRPr lang="en-US" altLang="ko-KR" b="1" dirty="0"/>
           </a:p>
           <a:p>
             <a:r>
@@ -3517,11 +3523,19 @@
             </a:r>
             <a:r>
               <a:rPr lang="en-US" altLang="ko-KR" b="1" dirty="0" err="1"/>
-              <a:t>device_id</a:t>
+              <a:t>log_no</a:t>
             </a:r>
             <a:r>
               <a:rPr lang="en-US" altLang="ko-KR" b="1" dirty="0"/>
-              <a:t>		varchar(20) not null,</a:t>
+              <a:t>			int not null </a:t>
+            </a:r>
+            <a:r>
+              <a:rPr lang="en-US" altLang="ko-KR" b="1" dirty="0" err="1"/>
+              <a:t>auto_increment</a:t>
+            </a:r>
+            <a:r>
+              <a:rPr lang="en-US" altLang="ko-KR" b="1" dirty="0"/>
+              <a:t>,</a:t>
             </a:r>
           </a:p>
           <a:p>
@@ -3531,17 +3545,11 @@
             </a:r>
             <a:r>
               <a:rPr lang="en-US" altLang="ko-KR" b="1" dirty="0" err="1"/>
-              <a:t>log_no</a:t>
+              <a:t>current_datetime</a:t>
             </a:r>
             <a:r>
               <a:rPr lang="en-US" altLang="ko-KR" b="1" dirty="0"/>
-              <a:t>			int not null ,</a:t>
-            </a:r>
-          </a:p>
-          <a:p>
-            <a:r>
-              <a:rPr lang="en-US" altLang="ko-KR" b="1" dirty="0"/>
-              <a:t>	file			varchar(100),</a:t>
+              <a:t>	datetime,</a:t>
             </a:r>
           </a:p>
           <a:p>
@@ -3551,25 +3559,17 @@
             </a:r>
             <a:r>
               <a:rPr lang="en-US" altLang="ko-KR" b="1" dirty="0" err="1"/>
-              <a:t>function_type</a:t>
+              <a:t>call_time</a:t>
             </a:r>
             <a:r>
               <a:rPr lang="en-US" altLang="ko-KR" b="1" dirty="0"/>
-              <a:t>		varchar(20),</a:t>
+              <a:t>		time,</a:t>
             </a:r>
           </a:p>
           <a:p>
             <a:r>
               <a:rPr lang="en-US" altLang="ko-KR" b="1" dirty="0"/>
               <a:t>	primary key(</a:t>
-            </a:r>
-            <a:r>
-              <a:rPr lang="en-US" altLang="ko-KR" b="1" dirty="0" err="1"/>
-              <a:t>device_id</a:t>
-            </a:r>
-            <a:r>
-              <a:rPr lang="en-US" altLang="ko-KR" b="1" dirty="0"/>
-              <a:t>, </a:t>
             </a:r>
             <a:r>
               <a:rPr lang="en-US" altLang="ko-KR" b="1" dirty="0" err="1"/>
@@ -3592,7 +3592,7 @@
     </p:spTree>
     <p:extLst>
       <p:ext uri="{BB962C8B-B14F-4D97-AF65-F5344CB8AC3E}">
-        <p14:creationId xmlns:p14="http://schemas.microsoft.com/office/powerpoint/2010/main" val="844047783"/>
+        <p14:creationId xmlns:p14="http://schemas.microsoft.com/office/powerpoint/2010/main" val="3769595822"/>
       </p:ext>
     </p:extLst>
   </p:cSld>
@@ -3668,7 +3668,7 @@
         <p:spPr>
           <a:xfrm>
             <a:off x="998376" y="1464906"/>
-            <a:ext cx="10355424" cy="4278094"/>
+            <a:ext cx="10355424" cy="2308324"/>
           </a:xfrm>
           <a:prstGeom prst="rect">
             <a:avLst/>
@@ -3695,8 +3695,195 @@
           <a:lstStyle/>
           <a:p>
             <a:r>
+              <a:rPr lang="en-US" altLang="ko-KR" b="1" dirty="0"/>
+              <a:t>Create table writes</a:t>
+            </a:r>
+          </a:p>
+          <a:p>
+            <a:r>
+              <a:rPr lang="en-US" altLang="ko-KR" b="1" dirty="0"/>
+              <a:t>(</a:t>
+            </a:r>
+          </a:p>
+          <a:p>
+            <a:r>
+              <a:rPr lang="en-US" altLang="ko-KR" b="1" dirty="0"/>
+              <a:t>	mac			varchar(20) not null,</a:t>
+            </a:r>
+          </a:p>
+          <a:p>
+            <a:r>
+              <a:rPr lang="en-US" altLang="ko-KR" b="1" dirty="0"/>
+              <a:t>	</a:t>
+            </a:r>
+            <a:r>
+              <a:rPr lang="en-US" altLang="ko-KR" b="1" dirty="0" err="1"/>
+              <a:t>log_no</a:t>
+            </a:r>
+            <a:r>
+              <a:rPr lang="en-US" altLang="ko-KR" b="1" dirty="0"/>
+              <a:t>			int not null ,</a:t>
+            </a:r>
+          </a:p>
+          <a:p>
+            <a:r>
+              <a:rPr lang="en-US" altLang="ko-KR" b="1" dirty="0"/>
+              <a:t>	file			varchar(100),</a:t>
+            </a:r>
+          </a:p>
+          <a:p>
+            <a:r>
+              <a:rPr lang="en-US" altLang="ko-KR" b="1" dirty="0"/>
+              <a:t>	</a:t>
+            </a:r>
+            <a:r>
+              <a:rPr lang="en-US" altLang="ko-KR" b="1" dirty="0" err="1"/>
+              <a:t>file_type</a:t>
+            </a:r>
+            <a:r>
+              <a:rPr lang="en-US" altLang="ko-KR" b="1" dirty="0"/>
+              <a:t>			varchar(20),</a:t>
+            </a:r>
+          </a:p>
+          <a:p>
+            <a:r>
+              <a:rPr lang="en-US" altLang="ko-KR" b="1" dirty="0"/>
+              <a:t>	primary key(</a:t>
+            </a:r>
+            <a:r>
+              <a:rPr lang="en-US" altLang="ko-KR" b="1" dirty="0" err="1"/>
+              <a:t>device_id</a:t>
+            </a:r>
+            <a:r>
+              <a:rPr lang="en-US" altLang="ko-KR" b="1" dirty="0"/>
+              <a:t>, </a:t>
+            </a:r>
+            <a:r>
+              <a:rPr lang="en-US" altLang="ko-KR" b="1" dirty="0" err="1"/>
+              <a:t>log_no</a:t>
+            </a:r>
+            <a:r>
+              <a:rPr lang="en-US" altLang="ko-KR" b="1" dirty="0"/>
+              <a:t>)</a:t>
+            </a:r>
+          </a:p>
+          <a:p>
+            <a:r>
+              <a:rPr lang="en-US" altLang="ko-KR" b="1" dirty="0"/>
+              <a:t>);</a:t>
+            </a:r>
+            <a:endParaRPr lang="ko-KR" altLang="en-US" b="1" dirty="0"/>
+          </a:p>
+        </p:txBody>
+      </p:sp>
+    </p:spTree>
+    <p:extLst>
+      <p:ext uri="{BB962C8B-B14F-4D97-AF65-F5344CB8AC3E}">
+        <p14:creationId xmlns:p14="http://schemas.microsoft.com/office/powerpoint/2010/main" val="844047783"/>
+      </p:ext>
+    </p:extLst>
+  </p:cSld>
+  <p:clrMapOvr>
+    <a:masterClrMapping/>
+  </p:clrMapOvr>
+</p:sld>
+</file>
+
+<file path=ppt/slides/slide12.xml><?xml version="1.0" encoding="utf-8"?>
+<p:sld xmlns:a="http://schemas.openxmlformats.org/drawingml/2006/main" xmlns:r="http://schemas.openxmlformats.org/officeDocument/2006/relationships" xmlns:p="http://schemas.openxmlformats.org/presentationml/2006/main">
+  <p:cSld>
+    <p:spTree>
+      <p:nvGrpSpPr>
+        <p:cNvPr id="1" name=""/>
+        <p:cNvGrpSpPr/>
+        <p:nvPr/>
+      </p:nvGrpSpPr>
+      <p:grpSpPr>
+        <a:xfrm>
+          <a:off x="0" y="0"/>
+          <a:ext cx="0" cy="0"/>
+          <a:chOff x="0" y="0"/>
+          <a:chExt cx="0" cy="0"/>
+        </a:xfrm>
+      </p:grpSpPr>
+      <p:sp>
+        <p:nvSpPr>
+          <p:cNvPr id="2" name="제목 1">
+            <a:extLst>
+              <a:ext uri="{FF2B5EF4-FFF2-40B4-BE49-F238E27FC236}">
+                <a16:creationId xmlns:a16="http://schemas.microsoft.com/office/drawing/2014/main" id="{7741B90E-B375-4E5C-927E-04EE820442E0}"/>
+              </a:ext>
+            </a:extLst>
+          </p:cNvPr>
+          <p:cNvSpPr>
+            <a:spLocks noGrp="1"/>
+          </p:cNvSpPr>
+          <p:nvPr>
+            <p:ph type="title"/>
+          </p:nvPr>
+        </p:nvSpPr>
+        <p:spPr>
+          <a:xfrm>
+            <a:off x="838200" y="365125"/>
+            <a:ext cx="10515600" cy="1325563"/>
+          </a:xfrm>
+        </p:spPr>
+        <p:txBody>
+          <a:bodyPr/>
+          <a:lstStyle/>
+          <a:p>
+            <a:r>
+              <a:rPr lang="en-US" altLang="ko-KR" dirty="0"/>
+              <a:t>Data Definition Language</a:t>
+            </a:r>
+            <a:endParaRPr lang="ko-KR" altLang="en-US" dirty="0"/>
+          </a:p>
+        </p:txBody>
+      </p:sp>
+      <p:sp>
+        <p:nvSpPr>
+          <p:cNvPr id="5" name="TextBox 4">
+            <a:extLst>
+              <a:ext uri="{FF2B5EF4-FFF2-40B4-BE49-F238E27FC236}">
+                <a16:creationId xmlns:a16="http://schemas.microsoft.com/office/drawing/2014/main" id="{2E3AE5A3-3720-4CC7-801C-D0F52A81E07D}"/>
+              </a:ext>
+            </a:extLst>
+          </p:cNvPr>
+          <p:cNvSpPr txBox="1"/>
+          <p:nvPr/>
+        </p:nvSpPr>
+        <p:spPr>
+          <a:xfrm>
+            <a:off x="998376" y="1464906"/>
+            <a:ext cx="10355424" cy="4893647"/>
+          </a:xfrm>
+          <a:prstGeom prst="rect">
+            <a:avLst/>
+          </a:prstGeom>
+        </p:spPr>
+        <p:style>
+          <a:lnRef idx="2">
+            <a:schemeClr val="accent1"/>
+          </a:lnRef>
+          <a:fillRef idx="1">
+            <a:schemeClr val="lt1"/>
+          </a:fillRef>
+          <a:effectRef idx="0">
+            <a:schemeClr val="accent1"/>
+          </a:effectRef>
+          <a:fontRef idx="minor">
+            <a:schemeClr val="dk1"/>
+          </a:fontRef>
+        </p:style>
+        <p:txBody>
+          <a:bodyPr wrap="square" rtlCol="0">
+            <a:spAutoFit/>
+          </a:bodyPr>
+          <a:lstStyle/>
+          <a:p>
+            <a:r>
               <a:rPr lang="en-US" altLang="ko-KR" sz="800" b="1" dirty="0"/>
-              <a:t>Create table user</a:t>
+              <a:t>create table user</a:t>
             </a:r>
           </a:p>
           <a:p>
@@ -3708,13 +3895,55 @@
           <a:p>
             <a:r>
               <a:rPr lang="en-US" altLang="ko-KR" sz="800" b="1" dirty="0"/>
-              <a:t>	id	 varchar(20) not null,</a:t>
+              <a:t>	id		 	varchar(20) not null,</a:t>
             </a:r>
           </a:p>
           <a:p>
             <a:r>
               <a:rPr lang="en-US" altLang="ko-KR" sz="800" b="1" dirty="0"/>
-              <a:t>	pin	 varchar(20),</a:t>
+              <a:t>	pin		 	varchar(20),</a:t>
+            </a:r>
+          </a:p>
+          <a:p>
+            <a:r>
+              <a:rPr lang="en-US" altLang="ko-KR" sz="800" b="1" dirty="0"/>
+              <a:t>	name		 	varchar(200),</a:t>
+            </a:r>
+          </a:p>
+          <a:p>
+            <a:r>
+              <a:rPr lang="en-US" altLang="ko-KR" sz="800" b="1" dirty="0"/>
+              <a:t>	primary key(id)</a:t>
+            </a:r>
+          </a:p>
+          <a:p>
+            <a:r>
+              <a:rPr lang="en-US" altLang="ko-KR" sz="800" b="1" dirty="0"/>
+              <a:t>);</a:t>
+            </a:r>
+          </a:p>
+          <a:p>
+            <a:r>
+              <a:rPr lang="en-US" altLang="ko-KR" sz="800" b="1" dirty="0"/>
+              <a:t>create table device</a:t>
+            </a:r>
+          </a:p>
+          <a:p>
+            <a:r>
+              <a:rPr lang="en-US" altLang="ko-KR" sz="800" b="1" dirty="0"/>
+              <a:t>(</a:t>
+            </a:r>
+          </a:p>
+          <a:p>
+            <a:r>
+              <a:rPr lang="en-US" altLang="ko-KR" sz="800" b="1" dirty="0"/>
+              <a:t>	mac		 	varchar(20) not null,</a:t>
+            </a:r>
+          </a:p>
+          <a:p>
+            <a:r>
+              <a:rPr lang="en-US" altLang="ko-KR" sz="800" b="1" dirty="0"/>
+              <a:t>	type		 	varchar(20),</a:t>
             </a:r>
           </a:p>
           <a:p>
@@ -3724,17 +3953,17 @@
             </a:r>
             <a:r>
               <a:rPr lang="en-US" altLang="ko-KR" sz="800" b="1" dirty="0" err="1"/>
-              <a:t>fcm_token</a:t>
+              <a:t>user_id</a:t>
             </a:r>
             <a:r>
               <a:rPr lang="en-US" altLang="ko-KR" sz="800" b="1" dirty="0"/>
-              <a:t> 	 varchar(200),</a:t>
+              <a:t>		 	varchar(20) not null,</a:t>
             </a:r>
           </a:p>
           <a:p>
             <a:r>
               <a:rPr lang="en-US" altLang="ko-KR" sz="800" b="1" dirty="0"/>
-              <a:t>	primary key(id)</a:t>
+              <a:t>	primary key(mac)</a:t>
             </a:r>
           </a:p>
           <a:p>
@@ -3742,14 +3971,12 @@
               <a:rPr lang="en-US" altLang="ko-KR" sz="800" b="1" dirty="0"/>
               <a:t>);</a:t>
             </a:r>
-          </a:p>
-          <a:p>
-            <a:endParaRPr lang="en-US" altLang="ko-KR" sz="800" b="1" dirty="0"/>
+            <a:endParaRPr lang="ko-KR" altLang="en-US" sz="800" b="1" dirty="0"/>
           </a:p>
           <a:p>
             <a:r>
               <a:rPr lang="en-US" altLang="ko-KR" sz="800" b="1" dirty="0"/>
-              <a:t>Create table device</a:t>
+              <a:t>create table phone</a:t>
             </a:r>
           </a:p>
           <a:p>
@@ -3761,19 +3988,7 @@
           <a:p>
             <a:r>
               <a:rPr lang="en-US" altLang="ko-KR" sz="800" b="1" dirty="0"/>
-              <a:t>	id	 varchar(20) not null,</a:t>
-            </a:r>
-          </a:p>
-          <a:p>
-            <a:r>
-              <a:rPr lang="en-US" altLang="ko-KR" sz="800" b="1" dirty="0"/>
-              <a:t>	name	 varchar(20),</a:t>
-            </a:r>
-          </a:p>
-          <a:p>
-            <a:r>
-              <a:rPr lang="en-US" altLang="ko-KR" sz="800" b="1" dirty="0"/>
-              <a:t>	functions 	 varchar(45),</a:t>
+              <a:t>	model		 	varchar(20) not null,</a:t>
             </a:r>
           </a:p>
           <a:p>
@@ -3783,17 +3998,39 @@
             </a:r>
             <a:r>
               <a:rPr lang="en-US" altLang="ko-KR" sz="800" b="1" dirty="0" err="1"/>
+              <a:t>fcm_token</a:t>
+            </a:r>
+            <a:r>
+              <a:rPr lang="en-US" altLang="ko-KR" sz="800" b="1" dirty="0"/>
+              <a:t>		 	varchar(20) not null,</a:t>
+            </a:r>
+          </a:p>
+          <a:p>
+            <a:r>
+              <a:rPr lang="en-US" altLang="ko-KR" sz="800" b="1" dirty="0"/>
+              <a:t>	</a:t>
+            </a:r>
+            <a:r>
+              <a:rPr lang="en-US" altLang="ko-KR" sz="800" b="1" dirty="0" err="1"/>
               <a:t>user_id</a:t>
             </a:r>
             <a:r>
               <a:rPr lang="en-US" altLang="ko-KR" sz="800" b="1" dirty="0"/>
-              <a:t> 	 varchar(20) not null,</a:t>
+              <a:t>		 	varchar(20) not null,</a:t>
             </a:r>
           </a:p>
           <a:p>
             <a:r>
               <a:rPr lang="en-US" altLang="ko-KR" sz="800" b="1" dirty="0"/>
-              <a:t>	primary key(id)</a:t>
+              <a:t>	primary key(</a:t>
+            </a:r>
+            <a:r>
+              <a:rPr lang="en-US" altLang="ko-KR" sz="800" b="1" dirty="0" err="1"/>
+              <a:t>fcm_token</a:t>
+            </a:r>
+            <a:r>
+              <a:rPr lang="en-US" altLang="ko-KR" sz="800" b="1" dirty="0"/>
+              <a:t>)</a:t>
             </a:r>
           </a:p>
           <a:p>
@@ -3801,15 +4038,18 @@
               <a:rPr lang="en-US" altLang="ko-KR" sz="800" b="1" dirty="0"/>
               <a:t>);</a:t>
             </a:r>
-          </a:p>
-          <a:p>
+            <a:endParaRPr lang="ko-KR" altLang="en-US" sz="800" b="1" dirty="0"/>
+          </a:p>
+          <a:p>
+            <a:r>
+              <a:rPr lang="en-US" altLang="ko-KR" sz="800" b="1" dirty="0"/>
+              <a:t>create table </a:t>
+            </a:r>
+            <a:r>
+              <a:rPr lang="en-US" altLang="ko-KR" sz="800" b="1" dirty="0" err="1"/>
+              <a:t>call_log</a:t>
+            </a:r>
             <a:endParaRPr lang="en-US" altLang="ko-KR" sz="800" b="1" dirty="0"/>
-          </a:p>
-          <a:p>
-            <a:r>
-              <a:rPr lang="en-US" altLang="ko-KR" sz="800" b="1" dirty="0"/>
-              <a:t>Create table log</a:t>
-            </a:r>
           </a:p>
           <a:p>
             <a:r>
@@ -3828,7 +4068,7 @@
             </a:r>
             <a:r>
               <a:rPr lang="en-US" altLang="ko-KR" sz="800" b="1" dirty="0"/>
-              <a:t>	  int not null </a:t>
+              <a:t>		  	int not null </a:t>
             </a:r>
             <a:r>
               <a:rPr lang="en-US" altLang="ko-KR" sz="800" b="1" dirty="0" err="1"/>
@@ -3850,13 +4090,21 @@
             </a:r>
             <a:r>
               <a:rPr lang="en-US" altLang="ko-KR" sz="800" b="1" dirty="0"/>
-              <a:t>	  datetime,</a:t>
+              <a:t>		 	datetime,</a:t>
             </a:r>
           </a:p>
           <a:p>
             <a:r>
               <a:rPr lang="en-US" altLang="ko-KR" sz="800" b="1" dirty="0"/>
-              <a:t>	memo 	 varchar(45),</a:t>
+              <a:t>	</a:t>
+            </a:r>
+            <a:r>
+              <a:rPr lang="en-US" altLang="ko-KR" sz="800" b="1" dirty="0" err="1"/>
+              <a:t>call_time</a:t>
+            </a:r>
+            <a:r>
+              <a:rPr lang="en-US" altLang="ko-KR" sz="800" b="1" dirty="0"/>
+              <a:t>		 	time,</a:t>
             </a:r>
           </a:p>
           <a:p>
@@ -3870,7 +4118,7 @@
             </a:r>
             <a:r>
               <a:rPr lang="en-US" altLang="ko-KR" sz="800" b="1" dirty="0"/>
-              <a:t>)</a:t>
+              <a:t>) </a:t>
             </a:r>
           </a:p>
           <a:p>
@@ -3878,14 +4126,12 @@
               <a:rPr lang="en-US" altLang="ko-KR" sz="800" b="1" dirty="0"/>
               <a:t>);</a:t>
             </a:r>
-          </a:p>
-          <a:p>
-            <a:endParaRPr lang="en-US" altLang="ko-KR" sz="800" b="1" dirty="0"/>
+            <a:endParaRPr lang="ko-KR" altLang="en-US" sz="800" b="1" dirty="0"/>
           </a:p>
           <a:p>
             <a:r>
               <a:rPr lang="en-US" altLang="ko-KR" sz="800" b="1" dirty="0"/>
-              <a:t>Create table writes</a:t>
+              <a:t>create table writes</a:t>
             </a:r>
           </a:p>
           <a:p>
@@ -3897,15 +4143,7 @@
           <a:p>
             <a:r>
               <a:rPr lang="en-US" altLang="ko-KR" sz="800" b="1" dirty="0"/>
-              <a:t>	</a:t>
-            </a:r>
-            <a:r>
-              <a:rPr lang="en-US" altLang="ko-KR" sz="800" b="1" dirty="0" err="1"/>
-              <a:t>device_id</a:t>
-            </a:r>
-            <a:r>
-              <a:rPr lang="en-US" altLang="ko-KR" sz="800" b="1" dirty="0"/>
-              <a:t> 	varchar(20) not null,</a:t>
+              <a:t>	mac		 	varchar(20) not null,</a:t>
             </a:r>
           </a:p>
           <a:p>
@@ -3919,13 +4157,13 @@
             </a:r>
             <a:r>
               <a:rPr lang="en-US" altLang="ko-KR" sz="800" b="1" dirty="0"/>
-              <a:t> 	int not null,</a:t>
+              <a:t>		 	int not null ,</a:t>
             </a:r>
           </a:p>
           <a:p>
             <a:r>
               <a:rPr lang="en-US" altLang="ko-KR" sz="800" b="1" dirty="0"/>
-              <a:t> 	file 	varchar(100),</a:t>
+              <a:t>	file		 	varchar(100),</a:t>
             </a:r>
           </a:p>
           <a:p>
@@ -3935,25 +4173,17 @@
             </a:r>
             <a:r>
               <a:rPr lang="en-US" altLang="ko-KR" sz="800" b="1" dirty="0" err="1"/>
-              <a:t>function_type</a:t>
+              <a:t>file_type</a:t>
             </a:r>
             <a:r>
               <a:rPr lang="en-US" altLang="ko-KR" sz="800" b="1" dirty="0"/>
-              <a:t> 	varchar(20),</a:t>
+              <a:t>		 	varchar(20),</a:t>
             </a:r>
           </a:p>
           <a:p>
             <a:r>
               <a:rPr lang="en-US" altLang="ko-KR" sz="800" b="1" dirty="0"/>
-              <a:t>	primary key(</a:t>
-            </a:r>
-            <a:r>
-              <a:rPr lang="en-US" altLang="ko-KR" sz="800" b="1" dirty="0" err="1"/>
-              <a:t>device_id</a:t>
-            </a:r>
-            <a:r>
-              <a:rPr lang="en-US" altLang="ko-KR" sz="800" b="1" dirty="0"/>
-              <a:t>, </a:t>
+              <a:t>	primary key(mac, </a:t>
             </a:r>
             <a:r>
               <a:rPr lang="en-US" altLang="ko-KR" sz="800" b="1" dirty="0" err="1"/>
@@ -3961,7 +4191,7 @@
             </a:r>
             <a:r>
               <a:rPr lang="en-US" altLang="ko-KR" sz="800" b="1" dirty="0"/>
-              <a:t>)</a:t>
+              <a:t>) </a:t>
             </a:r>
           </a:p>
           <a:p>
@@ -3969,11 +4199,32 @@
               <a:rPr lang="en-US" altLang="ko-KR" sz="800" b="1" dirty="0"/>
               <a:t>);</a:t>
             </a:r>
+            <a:endParaRPr lang="ko-KR" altLang="en-US" sz="800" b="1" dirty="0"/>
+          </a:p>
+          <a:p>
+            <a:r>
+              <a:rPr lang="en-US" altLang="ko-KR" sz="800" b="1" dirty="0"/>
+              <a:t> </a:t>
+            </a:r>
           </a:p>
           <a:p>
             <a:r>
               <a:rPr lang="en-US" altLang="ko-KR" sz="800" b="1" dirty="0"/>
               <a:t>alter table device add constraint device_fk1 foreign key(</a:t>
+            </a:r>
+            <a:r>
+              <a:rPr lang="en-US" altLang="ko-KR" sz="800" b="1" dirty="0" err="1"/>
+              <a:t>user_id</a:t>
+            </a:r>
+            <a:r>
+              <a:rPr lang="en-US" altLang="ko-KR" sz="800" b="1" dirty="0"/>
+              <a:t>) references user(id);</a:t>
+            </a:r>
+          </a:p>
+          <a:p>
+            <a:r>
+              <a:rPr lang="en-US" altLang="ko-KR" sz="800" b="1" dirty="0"/>
+              <a:t>alter table phone add constraint phone_fk1 foreign key(</a:t>
             </a:r>
             <a:r>
               <a:rPr lang="en-US" altLang="ko-KR" sz="800" b="1" dirty="0" err="1"/>
@@ -4059,10 +4310,10 @@
         </p:nvGrpSpPr>
         <p:grpSpPr>
           <a:xfrm>
-            <a:off x="1065400" y="4101909"/>
-            <a:ext cx="4090046" cy="1124429"/>
-            <a:chOff x="1367404" y="3766349"/>
-            <a:chExt cx="4090046" cy="1124429"/>
+            <a:off x="1608240" y="4101909"/>
+            <a:ext cx="2348916" cy="1140140"/>
+            <a:chOff x="1910244" y="3766349"/>
+            <a:chExt cx="2348916" cy="1140140"/>
           </a:xfrm>
         </p:grpSpPr>
         <p:sp>
@@ -4127,7 +4378,7 @@
           </p:nvSpPr>
           <p:spPr>
             <a:xfrm>
-              <a:off x="1367404" y="4347898"/>
+              <a:off x="1910244" y="4336419"/>
               <a:ext cx="998290" cy="364306"/>
             </a:xfrm>
             <a:prstGeom prst="ellipse">
@@ -4155,7 +4406,7 @@
               <a:pPr algn="ctr"/>
               <a:r>
                 <a:rPr lang="en-US" altLang="ko-KR" u="sng" dirty="0"/>
-                <a:t>id</a:t>
+                <a:t>mac</a:t>
               </a:r>
               <a:endParaRPr lang="ko-KR" altLang="en-US" u="sng" dirty="0"/>
             </a:p>
@@ -4175,7 +4426,7 @@
           </p:nvSpPr>
           <p:spPr>
             <a:xfrm>
-              <a:off x="2529283" y="4530051"/>
+              <a:off x="3158106" y="4545762"/>
               <a:ext cx="1101054" cy="360727"/>
             </a:xfrm>
             <a:prstGeom prst="ellipse">
@@ -4203,55 +4454,7 @@
               <a:pPr algn="ctr"/>
               <a:r>
                 <a:rPr lang="en-US" altLang="ko-KR" dirty="0"/>
-                <a:t>name</a:t>
-              </a:r>
-              <a:endParaRPr lang="ko-KR" altLang="en-US" dirty="0"/>
-            </a:p>
-          </p:txBody>
-        </p:sp>
-        <p:sp>
-          <p:nvSpPr>
-            <p:cNvPr id="17" name="타원 16">
-              <a:extLst>
-                <a:ext uri="{FF2B5EF4-FFF2-40B4-BE49-F238E27FC236}">
-                  <a16:creationId xmlns:a16="http://schemas.microsoft.com/office/drawing/2014/main" id="{76357D02-E1AF-48F6-945A-BC3D044A8CC7}"/>
-                </a:ext>
-              </a:extLst>
-            </p:cNvPr>
-            <p:cNvSpPr/>
-            <p:nvPr/>
-          </p:nvSpPr>
-          <p:spPr>
-            <a:xfrm>
-              <a:off x="3793926" y="4412611"/>
-              <a:ext cx="1663524" cy="360727"/>
-            </a:xfrm>
-            <a:prstGeom prst="ellipse">
-              <a:avLst/>
-            </a:prstGeom>
-          </p:spPr>
-          <p:style>
-            <a:lnRef idx="2">
-              <a:schemeClr val="accent1"/>
-            </a:lnRef>
-            <a:fillRef idx="1">
-              <a:schemeClr val="lt1"/>
-            </a:fillRef>
-            <a:effectRef idx="0">
-              <a:schemeClr val="accent1"/>
-            </a:effectRef>
-            <a:fontRef idx="minor">
-              <a:schemeClr val="dk1"/>
-            </a:fontRef>
-          </p:style>
-          <p:txBody>
-            <a:bodyPr rtlCol="0" anchor="ctr"/>
-            <a:lstStyle/>
-            <a:p>
-              <a:pPr algn="ctr"/>
-              <a:r>
-                <a:rPr lang="en-US" altLang="ko-KR" dirty="0"/>
-                <a:t>functions</a:t>
+                <a:t>type</a:t>
               </a:r>
               <a:endParaRPr lang="ko-KR" altLang="en-US" dirty="0"/>
             </a:p>
@@ -4274,8 +4477,8 @@
           </p:nvCxnSpPr>
           <p:spPr>
             <a:xfrm flipH="1">
-              <a:off x="1866549" y="4127076"/>
-              <a:ext cx="1342939" cy="220822"/>
+              <a:off x="2409389" y="4127076"/>
+              <a:ext cx="800099" cy="209343"/>
             </a:xfrm>
             <a:prstGeom prst="line">
               <a:avLst/>
@@ -4312,49 +4515,9 @@
             <p:nvPr/>
           </p:nvCxnSpPr>
           <p:spPr>
-            <a:xfrm flipH="1">
-              <a:off x="3079810" y="4127076"/>
-              <a:ext cx="129678" cy="402975"/>
-            </a:xfrm>
-            <a:prstGeom prst="line">
-              <a:avLst/>
-            </a:prstGeom>
-          </p:spPr>
-          <p:style>
-            <a:lnRef idx="1">
-              <a:schemeClr val="accent1"/>
-            </a:lnRef>
-            <a:fillRef idx="0">
-              <a:schemeClr val="accent1"/>
-            </a:fillRef>
-            <a:effectRef idx="0">
-              <a:schemeClr val="accent1"/>
-            </a:effectRef>
-            <a:fontRef idx="minor">
-              <a:schemeClr val="tx1"/>
-            </a:fontRef>
-          </p:style>
-        </p:cxnSp>
-        <p:cxnSp>
-          <p:nvCxnSpPr>
-            <p:cNvPr id="23" name="직선 연결선 22">
-              <a:extLst>
-                <a:ext uri="{FF2B5EF4-FFF2-40B4-BE49-F238E27FC236}">
-                  <a16:creationId xmlns:a16="http://schemas.microsoft.com/office/drawing/2014/main" id="{4598F547-D353-45FF-99BC-91DBB457F673}"/>
-                </a:ext>
-              </a:extLst>
-            </p:cNvPr>
-            <p:cNvCxnSpPr>
-              <a:cxnSpLocks/>
-              <a:stCxn id="14" idx="2"/>
-              <a:endCxn id="17" idx="0"/>
-            </p:cNvCxnSpPr>
-            <p:nvPr/>
-          </p:nvCxnSpPr>
-          <p:spPr>
             <a:xfrm>
               <a:off x="3209488" y="4127076"/>
-              <a:ext cx="1416200" cy="285535"/>
+              <a:ext cx="499145" cy="418686"/>
             </a:xfrm>
             <a:prstGeom prst="line">
               <a:avLst/>
@@ -4391,9 +4554,9 @@
         <p:grpSpPr>
           <a:xfrm>
             <a:off x="6049024" y="1809964"/>
-            <a:ext cx="4935781" cy="1439954"/>
+            <a:ext cx="4935781" cy="1619036"/>
             <a:chOff x="6422248" y="1942357"/>
-            <a:chExt cx="4935781" cy="1439954"/>
+            <a:chExt cx="4935781" cy="1619036"/>
           </a:xfrm>
         </p:grpSpPr>
         <p:grpSp>
@@ -4411,9 +4574,9 @@
           <p:grpSpPr>
             <a:xfrm>
               <a:off x="6422248" y="1942357"/>
-              <a:ext cx="3717081" cy="1439954"/>
+              <a:ext cx="4376928" cy="1619036"/>
               <a:chOff x="6422248" y="1942357"/>
-              <a:chExt cx="3717081" cy="1439954"/>
+              <a:chExt cx="4376928" cy="1619036"/>
             </a:xfrm>
           </p:grpSpPr>
           <p:sp>
@@ -4431,7 +4594,7 @@
             <p:spPr>
               <a:xfrm>
                 <a:off x="7636740" y="1942357"/>
-                <a:ext cx="887837" cy="360727"/>
+                <a:ext cx="1423284" cy="360727"/>
               </a:xfrm>
               <a:prstGeom prst="rect">
                 <a:avLst/>
@@ -4458,8 +4621,8 @@
               <a:p>
                 <a:pPr algn="ctr"/>
                 <a:r>
-                  <a:rPr lang="en-US" altLang="ko-KR" dirty="0"/>
-                  <a:t>log</a:t>
+                  <a:rPr lang="en-US" altLang="ko-KR" dirty="0" err="1"/>
+                  <a:t>call_log</a:t>
                 </a:r>
                 <a:endParaRPr lang="ko-KR" altLang="en-US" dirty="0"/>
               </a:p>
@@ -4507,7 +4670,7 @@
                 <a:pPr algn="ctr"/>
                 <a:r>
                   <a:rPr lang="en-US" altLang="ko-KR" dirty="0" err="1"/>
-                  <a:t>current_datetime</a:t>
+                  <a:t>call_time</a:t>
                 </a:r>
                 <a:endParaRPr lang="ko-KR" altLang="en-US" dirty="0"/>
               </a:p>
@@ -4527,8 +4690,8 @@
             </p:nvSpPr>
             <p:spPr>
               <a:xfrm>
-                <a:off x="8909604" y="3009001"/>
-                <a:ext cx="1229725" cy="373310"/>
+                <a:off x="8028553" y="3192475"/>
+                <a:ext cx="2770623" cy="368918"/>
               </a:xfrm>
               <a:prstGeom prst="ellipse">
                 <a:avLst/>
@@ -4554,8 +4717,8 @@
               <a:p>
                 <a:pPr algn="ctr"/>
                 <a:r>
-                  <a:rPr lang="en-US" altLang="ko-KR" dirty="0"/>
-                  <a:t>memo</a:t>
+                  <a:rPr lang="en-US" altLang="ko-KR" dirty="0" err="1"/>
+                  <a:t>current_datetime</a:t>
                 </a:r>
                 <a:endParaRPr lang="ko-KR" altLang="en-US" dirty="0"/>
               </a:p>
@@ -4580,7 +4743,7 @@
             <p:spPr>
               <a:xfrm flipH="1">
                 <a:off x="7225401" y="2303084"/>
-                <a:ext cx="855258" cy="516035"/>
+                <a:ext cx="1122981" cy="516035"/>
               </a:xfrm>
               <a:prstGeom prst="line">
                 <a:avLst/>
@@ -4611,6 +4774,7 @@
                 </a:extLst>
               </p:cNvPr>
               <p:cNvCxnSpPr>
+                <a:cxnSpLocks/>
                 <a:stCxn id="12" idx="2"/>
                 <a:endCxn id="32" idx="0"/>
               </p:cNvCxnSpPr>
@@ -4618,8 +4782,8 @@
             </p:nvCxnSpPr>
             <p:spPr>
               <a:xfrm>
-                <a:off x="8080659" y="2303084"/>
-                <a:ext cx="1443808" cy="705917"/>
+                <a:off x="8348382" y="2303084"/>
+                <a:ext cx="1065483" cy="889391"/>
               </a:xfrm>
               <a:prstGeom prst="line">
                 <a:avLst/>
@@ -4659,8 +4823,8 @@
           </p:nvCxnSpPr>
           <p:spPr>
             <a:xfrm>
-              <a:off x="8080659" y="2303084"/>
-              <a:ext cx="1925392" cy="449109"/>
+              <a:off x="8348382" y="2303084"/>
+              <a:ext cx="1657669" cy="449109"/>
             </a:xfrm>
             <a:prstGeom prst="line">
               <a:avLst/>
@@ -5035,8 +5199,8 @@
             <a:p>
               <a:pPr algn="ctr"/>
               <a:r>
-                <a:rPr lang="en-US" altLang="ko-KR" dirty="0" err="1"/>
-                <a:t>fcm_token</a:t>
+                <a:rPr lang="en-US" altLang="ko-KR" dirty="0"/>
+                <a:t>name</a:t>
               </a:r>
               <a:endParaRPr lang="ko-KR" altLang="en-US" dirty="0"/>
             </a:p>
@@ -5062,6 +5226,250 @@
             <a:xfrm>
               <a:off x="2609436" y="2149870"/>
               <a:ext cx="1141237" cy="357158"/>
+            </a:xfrm>
+            <a:prstGeom prst="line">
+              <a:avLst/>
+            </a:prstGeom>
+          </p:spPr>
+          <p:style>
+            <a:lnRef idx="1">
+              <a:schemeClr val="accent1"/>
+            </a:lnRef>
+            <a:fillRef idx="0">
+              <a:schemeClr val="accent1"/>
+            </a:fillRef>
+            <a:effectRef idx="0">
+              <a:schemeClr val="accent1"/>
+            </a:effectRef>
+            <a:fontRef idx="minor">
+              <a:schemeClr val="tx1"/>
+            </a:fontRef>
+          </p:style>
+        </p:cxnSp>
+      </p:grpSp>
+      <p:grpSp>
+        <p:nvGrpSpPr>
+          <p:cNvPr id="41" name="그룹 40">
+            <a:extLst>
+              <a:ext uri="{FF2B5EF4-FFF2-40B4-BE49-F238E27FC236}">
+                <a16:creationId xmlns:a16="http://schemas.microsoft.com/office/drawing/2014/main" id="{2F794118-A3A8-48A5-AC16-3EACE282E77C}"/>
+              </a:ext>
+            </a:extLst>
+          </p:cNvPr>
+          <p:cNvGrpSpPr/>
+          <p:nvPr/>
+        </p:nvGrpSpPr>
+        <p:grpSpPr>
+          <a:xfrm>
+            <a:off x="6049024" y="4214878"/>
+            <a:ext cx="3528747" cy="1103818"/>
+            <a:chOff x="1190291" y="3766349"/>
+            <a:chExt cx="3528747" cy="1103818"/>
+          </a:xfrm>
+        </p:grpSpPr>
+        <p:sp>
+          <p:nvSpPr>
+            <p:cNvPr id="42" name="직사각형 41">
+              <a:extLst>
+                <a:ext uri="{FF2B5EF4-FFF2-40B4-BE49-F238E27FC236}">
+                  <a16:creationId xmlns:a16="http://schemas.microsoft.com/office/drawing/2014/main" id="{1C2C4687-8F2A-4C16-98EF-44ED86FB5D7A}"/>
+                </a:ext>
+              </a:extLst>
+            </p:cNvPr>
+            <p:cNvSpPr/>
+            <p:nvPr/>
+          </p:nvSpPr>
+          <p:spPr>
+            <a:xfrm>
+              <a:off x="2710343" y="3766349"/>
+              <a:ext cx="998290" cy="360727"/>
+            </a:xfrm>
+            <a:prstGeom prst="rect">
+              <a:avLst/>
+            </a:prstGeom>
+          </p:spPr>
+          <p:style>
+            <a:lnRef idx="2">
+              <a:schemeClr val="accent1"/>
+            </a:lnRef>
+            <a:fillRef idx="1">
+              <a:schemeClr val="lt1"/>
+            </a:fillRef>
+            <a:effectRef idx="0">
+              <a:schemeClr val="accent1"/>
+            </a:effectRef>
+            <a:fontRef idx="minor">
+              <a:schemeClr val="dk1"/>
+            </a:fontRef>
+          </p:style>
+          <p:txBody>
+            <a:bodyPr rtlCol="0" anchor="ctr"/>
+            <a:lstStyle/>
+            <a:p>
+              <a:pPr algn="ctr"/>
+              <a:r>
+                <a:rPr lang="en-US" altLang="ko-KR" dirty="0"/>
+                <a:t>phone</a:t>
+              </a:r>
+              <a:endParaRPr lang="ko-KR" altLang="en-US" dirty="0"/>
+            </a:p>
+          </p:txBody>
+        </p:sp>
+        <p:sp>
+          <p:nvSpPr>
+            <p:cNvPr id="43" name="타원 42">
+              <a:extLst>
+                <a:ext uri="{FF2B5EF4-FFF2-40B4-BE49-F238E27FC236}">
+                  <a16:creationId xmlns:a16="http://schemas.microsoft.com/office/drawing/2014/main" id="{8DE5BE18-6792-486C-A1EE-3D7427CF1952}"/>
+                </a:ext>
+              </a:extLst>
+            </p:cNvPr>
+            <p:cNvSpPr/>
+            <p:nvPr/>
+          </p:nvSpPr>
+          <p:spPr>
+            <a:xfrm>
+              <a:off x="1190291" y="4354132"/>
+              <a:ext cx="1823283" cy="379263"/>
+            </a:xfrm>
+            <a:prstGeom prst="ellipse">
+              <a:avLst/>
+            </a:prstGeom>
+          </p:spPr>
+          <p:style>
+            <a:lnRef idx="2">
+              <a:schemeClr val="accent1"/>
+            </a:lnRef>
+            <a:fillRef idx="1">
+              <a:schemeClr val="lt1"/>
+            </a:fillRef>
+            <a:effectRef idx="0">
+              <a:schemeClr val="accent1"/>
+            </a:effectRef>
+            <a:fontRef idx="minor">
+              <a:schemeClr val="dk1"/>
+            </a:fontRef>
+          </p:style>
+          <p:txBody>
+            <a:bodyPr rtlCol="0" anchor="ctr"/>
+            <a:lstStyle/>
+            <a:p>
+              <a:pPr algn="ctr"/>
+              <a:r>
+                <a:rPr lang="en-US" altLang="ko-KR" u="sng" dirty="0" err="1"/>
+                <a:t>fcm_token</a:t>
+              </a:r>
+              <a:endParaRPr lang="ko-KR" altLang="en-US" u="sng" dirty="0"/>
+            </a:p>
+          </p:txBody>
+        </p:sp>
+        <p:sp>
+          <p:nvSpPr>
+            <p:cNvPr id="44" name="타원 43">
+              <a:extLst>
+                <a:ext uri="{FF2B5EF4-FFF2-40B4-BE49-F238E27FC236}">
+                  <a16:creationId xmlns:a16="http://schemas.microsoft.com/office/drawing/2014/main" id="{BEC0140B-3E4B-4E42-9624-2D1E40FA98D5}"/>
+                </a:ext>
+              </a:extLst>
+            </p:cNvPr>
+            <p:cNvSpPr/>
+            <p:nvPr/>
+          </p:nvSpPr>
+          <p:spPr>
+            <a:xfrm>
+              <a:off x="3158106" y="4545763"/>
+              <a:ext cx="1560932" cy="324404"/>
+            </a:xfrm>
+            <a:prstGeom prst="ellipse">
+              <a:avLst/>
+            </a:prstGeom>
+          </p:spPr>
+          <p:style>
+            <a:lnRef idx="2">
+              <a:schemeClr val="accent1"/>
+            </a:lnRef>
+            <a:fillRef idx="1">
+              <a:schemeClr val="lt1"/>
+            </a:fillRef>
+            <a:effectRef idx="0">
+              <a:schemeClr val="accent1"/>
+            </a:effectRef>
+            <a:fontRef idx="minor">
+              <a:schemeClr val="dk1"/>
+            </a:fontRef>
+          </p:style>
+          <p:txBody>
+            <a:bodyPr rtlCol="0" anchor="ctr"/>
+            <a:lstStyle/>
+            <a:p>
+              <a:pPr algn="ctr"/>
+              <a:r>
+                <a:rPr lang="en-US" altLang="ko-KR" dirty="0"/>
+                <a:t>model</a:t>
+              </a:r>
+            </a:p>
+          </p:txBody>
+        </p:sp>
+        <p:cxnSp>
+          <p:nvCxnSpPr>
+            <p:cNvPr id="45" name="직선 연결선 44">
+              <a:extLst>
+                <a:ext uri="{FF2B5EF4-FFF2-40B4-BE49-F238E27FC236}">
+                  <a16:creationId xmlns:a16="http://schemas.microsoft.com/office/drawing/2014/main" id="{DABABE72-28BD-44E3-B40D-8C22E209274B}"/>
+                </a:ext>
+              </a:extLst>
+            </p:cNvPr>
+            <p:cNvCxnSpPr>
+              <a:cxnSpLocks/>
+              <a:stCxn id="42" idx="2"/>
+              <a:endCxn id="43" idx="0"/>
+            </p:cNvCxnSpPr>
+            <p:nvPr/>
+          </p:nvCxnSpPr>
+          <p:spPr>
+            <a:xfrm flipH="1">
+              <a:off x="2101933" y="4127076"/>
+              <a:ext cx="1107555" cy="227056"/>
+            </a:xfrm>
+            <a:prstGeom prst="line">
+              <a:avLst/>
+            </a:prstGeom>
+          </p:spPr>
+          <p:style>
+            <a:lnRef idx="1">
+              <a:schemeClr val="accent1"/>
+            </a:lnRef>
+            <a:fillRef idx="0">
+              <a:schemeClr val="accent1"/>
+            </a:fillRef>
+            <a:effectRef idx="0">
+              <a:schemeClr val="accent1"/>
+            </a:effectRef>
+            <a:fontRef idx="minor">
+              <a:schemeClr val="tx1"/>
+            </a:fontRef>
+          </p:style>
+        </p:cxnSp>
+        <p:cxnSp>
+          <p:nvCxnSpPr>
+            <p:cNvPr id="46" name="직선 연결선 45">
+              <a:extLst>
+                <a:ext uri="{FF2B5EF4-FFF2-40B4-BE49-F238E27FC236}">
+                  <a16:creationId xmlns:a16="http://schemas.microsoft.com/office/drawing/2014/main" id="{A840C6AD-D08C-4DFC-996A-2FFAB48BAD50}"/>
+                </a:ext>
+              </a:extLst>
+            </p:cNvPr>
+            <p:cNvCxnSpPr>
+              <a:cxnSpLocks/>
+              <a:stCxn id="42" idx="2"/>
+              <a:endCxn id="44" idx="0"/>
+            </p:cNvCxnSpPr>
+            <p:nvPr/>
+          </p:nvCxnSpPr>
+          <p:spPr>
+            <a:xfrm>
+              <a:off x="3209488" y="4127076"/>
+              <a:ext cx="729084" cy="418687"/>
             </a:xfrm>
             <a:prstGeom prst="line">
               <a:avLst/>
@@ -5252,8 +5660,8 @@
         </p:nvSpPr>
         <p:spPr>
           <a:xfrm>
-            <a:off x="8020533" y="2413053"/>
-            <a:ext cx="887837" cy="360727"/>
+            <a:off x="7713637" y="2279416"/>
+            <a:ext cx="1501629" cy="360727"/>
           </a:xfrm>
           <a:prstGeom prst="rect">
             <a:avLst/>
@@ -5280,8 +5688,8 @@
           <a:p>
             <a:pPr algn="ctr"/>
             <a:r>
-              <a:rPr lang="en-US" altLang="ko-KR" dirty="0"/>
-              <a:t>log</a:t>
+              <a:rPr lang="en-US" altLang="ko-KR" dirty="0" err="1"/>
+              <a:t>call_log</a:t>
             </a:r>
             <a:endParaRPr lang="ko-KR" altLang="en-US" dirty="0"/>
           </a:p>
@@ -5378,7 +5786,7 @@
             <a:pPr algn="ctr"/>
             <a:r>
               <a:rPr lang="en-US" altLang="ko-KR" dirty="0"/>
-              <a:t>authenticate</a:t>
+              <a:t>register</a:t>
             </a:r>
             <a:endParaRPr lang="ko-KR" altLang="en-US" dirty="0"/>
           </a:p>
@@ -5522,8 +5930,8 @@
         </p:nvCxnSpPr>
         <p:spPr>
           <a:xfrm>
-            <a:off x="8464452" y="2773780"/>
-            <a:ext cx="1" cy="442091"/>
+            <a:off x="8464452" y="2640143"/>
+            <a:ext cx="1" cy="575728"/>
           </a:xfrm>
           <a:prstGeom prst="line">
             <a:avLst/>
@@ -5667,6 +6075,254 @@
         <p:spPr>
           <a:xfrm>
             <a:off x="8435505" y="2729277"/>
+            <a:ext cx="174397" cy="276999"/>
+          </a:xfrm>
+          <a:prstGeom prst="rect">
+            <a:avLst/>
+          </a:prstGeom>
+          <a:noFill/>
+        </p:spPr>
+        <p:txBody>
+          <a:bodyPr wrap="square" rtlCol="0">
+            <a:spAutoFit/>
+          </a:bodyPr>
+          <a:lstStyle/>
+          <a:p>
+            <a:r>
+              <a:rPr lang="en-US" altLang="ko-KR" sz="1200" dirty="0"/>
+              <a:t>n</a:t>
+            </a:r>
+            <a:endParaRPr lang="ko-KR" altLang="en-US" sz="1200" dirty="0"/>
+          </a:p>
+        </p:txBody>
+      </p:sp>
+      <p:sp>
+        <p:nvSpPr>
+          <p:cNvPr id="18" name="직사각형 17">
+            <a:extLst>
+              <a:ext uri="{FF2B5EF4-FFF2-40B4-BE49-F238E27FC236}">
+                <a16:creationId xmlns:a16="http://schemas.microsoft.com/office/drawing/2014/main" id="{49CA9486-20CE-4656-A606-DAC9088B20FA}"/>
+              </a:ext>
+            </a:extLst>
+          </p:cNvPr>
+          <p:cNvSpPr/>
+          <p:nvPr/>
+        </p:nvSpPr>
+        <p:spPr>
+          <a:xfrm>
+            <a:off x="2431661" y="2279415"/>
+            <a:ext cx="998290" cy="360727"/>
+          </a:xfrm>
+          <a:prstGeom prst="rect">
+            <a:avLst/>
+          </a:prstGeom>
+        </p:spPr>
+        <p:style>
+          <a:lnRef idx="2">
+            <a:schemeClr val="accent1"/>
+          </a:lnRef>
+          <a:fillRef idx="1">
+            <a:schemeClr val="lt1"/>
+          </a:fillRef>
+          <a:effectRef idx="0">
+            <a:schemeClr val="accent1"/>
+          </a:effectRef>
+          <a:fontRef idx="minor">
+            <a:schemeClr val="dk1"/>
+          </a:fontRef>
+        </p:style>
+        <p:txBody>
+          <a:bodyPr rtlCol="0" anchor="ctr"/>
+          <a:lstStyle/>
+          <a:p>
+            <a:pPr algn="ctr"/>
+            <a:r>
+              <a:rPr lang="en-US" altLang="ko-KR" dirty="0"/>
+              <a:t>phone</a:t>
+            </a:r>
+            <a:endParaRPr lang="ko-KR" altLang="en-US" dirty="0"/>
+          </a:p>
+        </p:txBody>
+      </p:sp>
+      <p:sp>
+        <p:nvSpPr>
+          <p:cNvPr id="19" name="순서도: 판단 18">
+            <a:extLst>
+              <a:ext uri="{FF2B5EF4-FFF2-40B4-BE49-F238E27FC236}">
+                <a16:creationId xmlns:a16="http://schemas.microsoft.com/office/drawing/2014/main" id="{B704514B-7373-4540-A56C-559E0B4F699E}"/>
+              </a:ext>
+            </a:extLst>
+          </p:cNvPr>
+          <p:cNvSpPr/>
+          <p:nvPr/>
+        </p:nvSpPr>
+        <p:spPr>
+          <a:xfrm>
+            <a:off x="1439751" y="3266969"/>
+            <a:ext cx="2984402" cy="436797"/>
+          </a:xfrm>
+          <a:prstGeom prst="flowChartDecision">
+            <a:avLst/>
+          </a:prstGeom>
+        </p:spPr>
+        <p:style>
+          <a:lnRef idx="2">
+            <a:schemeClr val="accent1"/>
+          </a:lnRef>
+          <a:fillRef idx="1">
+            <a:schemeClr val="lt1"/>
+          </a:fillRef>
+          <a:effectRef idx="0">
+            <a:schemeClr val="accent1"/>
+          </a:effectRef>
+          <a:fontRef idx="minor">
+            <a:schemeClr val="dk1"/>
+          </a:fontRef>
+        </p:style>
+        <p:txBody>
+          <a:bodyPr rtlCol="0" anchor="ctr"/>
+          <a:lstStyle/>
+          <a:p>
+            <a:pPr algn="ctr"/>
+            <a:r>
+              <a:rPr lang="en-US" altLang="ko-KR" dirty="0"/>
+              <a:t>register</a:t>
+            </a:r>
+            <a:endParaRPr lang="ko-KR" altLang="en-US" dirty="0"/>
+          </a:p>
+        </p:txBody>
+      </p:sp>
+      <p:cxnSp>
+        <p:nvCxnSpPr>
+          <p:cNvPr id="20" name="직선 연결선 19">
+            <a:extLst>
+              <a:ext uri="{FF2B5EF4-FFF2-40B4-BE49-F238E27FC236}">
+                <a16:creationId xmlns:a16="http://schemas.microsoft.com/office/drawing/2014/main" id="{E8B6C2B1-FB68-45D8-95C0-E2ABA932B289}"/>
+              </a:ext>
+            </a:extLst>
+          </p:cNvPr>
+          <p:cNvCxnSpPr>
+            <a:cxnSpLocks/>
+            <a:stCxn id="19" idx="2"/>
+            <a:endCxn id="4" idx="0"/>
+          </p:cNvCxnSpPr>
+          <p:nvPr/>
+        </p:nvCxnSpPr>
+        <p:spPr>
+          <a:xfrm>
+            <a:off x="2931952" y="3703766"/>
+            <a:ext cx="0" cy="516091"/>
+          </a:xfrm>
+          <a:prstGeom prst="line">
+            <a:avLst/>
+          </a:prstGeom>
+        </p:spPr>
+        <p:style>
+          <a:lnRef idx="1">
+            <a:schemeClr val="accent1"/>
+          </a:lnRef>
+          <a:fillRef idx="0">
+            <a:schemeClr val="accent1"/>
+          </a:fillRef>
+          <a:effectRef idx="0">
+            <a:schemeClr val="accent1"/>
+          </a:effectRef>
+          <a:fontRef idx="minor">
+            <a:schemeClr val="tx1"/>
+          </a:fontRef>
+        </p:style>
+      </p:cxnSp>
+      <p:cxnSp>
+        <p:nvCxnSpPr>
+          <p:cNvPr id="23" name="직선 연결선 22">
+            <a:extLst>
+              <a:ext uri="{FF2B5EF4-FFF2-40B4-BE49-F238E27FC236}">
+                <a16:creationId xmlns:a16="http://schemas.microsoft.com/office/drawing/2014/main" id="{C80DCE52-1B4A-43EC-B7CB-15187D85D04E}"/>
+              </a:ext>
+            </a:extLst>
+          </p:cNvPr>
+          <p:cNvCxnSpPr>
+            <a:cxnSpLocks/>
+            <a:stCxn id="18" idx="2"/>
+            <a:endCxn id="19" idx="0"/>
+          </p:cNvCxnSpPr>
+          <p:nvPr/>
+        </p:nvCxnSpPr>
+        <p:spPr>
+          <a:xfrm>
+            <a:off x="2930806" y="2640142"/>
+            <a:ext cx="1146" cy="626827"/>
+          </a:xfrm>
+          <a:prstGeom prst="line">
+            <a:avLst/>
+          </a:prstGeom>
+        </p:spPr>
+        <p:style>
+          <a:lnRef idx="1">
+            <a:schemeClr val="accent1"/>
+          </a:lnRef>
+          <a:fillRef idx="0">
+            <a:schemeClr val="accent1"/>
+          </a:fillRef>
+          <a:effectRef idx="0">
+            <a:schemeClr val="accent1"/>
+          </a:effectRef>
+          <a:fontRef idx="minor">
+            <a:schemeClr val="tx1"/>
+          </a:fontRef>
+        </p:style>
+      </p:cxnSp>
+      <p:sp>
+        <p:nvSpPr>
+          <p:cNvPr id="28" name="TextBox 27">
+            <a:extLst>
+              <a:ext uri="{FF2B5EF4-FFF2-40B4-BE49-F238E27FC236}">
+                <a16:creationId xmlns:a16="http://schemas.microsoft.com/office/drawing/2014/main" id="{A50F3FC7-9416-4D3C-BA26-01C323E515C3}"/>
+              </a:ext>
+            </a:extLst>
+          </p:cNvPr>
+          <p:cNvSpPr txBox="1"/>
+          <p:nvPr/>
+        </p:nvSpPr>
+        <p:spPr>
+          <a:xfrm>
+            <a:off x="2912340" y="3942858"/>
+            <a:ext cx="174397" cy="276999"/>
+          </a:xfrm>
+          <a:prstGeom prst="rect">
+            <a:avLst/>
+          </a:prstGeom>
+          <a:noFill/>
+        </p:spPr>
+        <p:txBody>
+          <a:bodyPr wrap="square" rtlCol="0">
+            <a:spAutoFit/>
+          </a:bodyPr>
+          <a:lstStyle/>
+          <a:p>
+            <a:r>
+              <a:rPr lang="en-US" altLang="ko-KR" sz="1200" dirty="0"/>
+              <a:t>1</a:t>
+            </a:r>
+            <a:endParaRPr lang="ko-KR" altLang="en-US" sz="1200" dirty="0"/>
+          </a:p>
+        </p:txBody>
+      </p:sp>
+      <p:sp>
+        <p:nvSpPr>
+          <p:cNvPr id="29" name="TextBox 28">
+            <a:extLst>
+              <a:ext uri="{FF2B5EF4-FFF2-40B4-BE49-F238E27FC236}">
+                <a16:creationId xmlns:a16="http://schemas.microsoft.com/office/drawing/2014/main" id="{0A97455C-95C4-42B5-A969-314B85B8D3A4}"/>
+              </a:ext>
+            </a:extLst>
+          </p:cNvPr>
+          <p:cNvSpPr txBox="1"/>
+          <p:nvPr/>
+        </p:nvSpPr>
+        <p:spPr>
+          <a:xfrm>
+            <a:off x="2889535" y="2629956"/>
             <a:ext cx="174397" cy="276999"/>
           </a:xfrm>
           <a:prstGeom prst="rect">
@@ -5919,8 +6575,8 @@
         </p:nvSpPr>
         <p:spPr>
           <a:xfrm>
-            <a:off x="2646601" y="2711705"/>
-            <a:ext cx="1501628" cy="573488"/>
+            <a:off x="2646600" y="2837410"/>
+            <a:ext cx="1501629" cy="394283"/>
           </a:xfrm>
           <a:prstGeom prst="ellipse">
             <a:avLst/>
@@ -5947,7 +6603,7 @@
             <a:pPr algn="ctr"/>
             <a:r>
               <a:rPr lang="en-US" altLang="ko-KR" dirty="0" err="1"/>
-              <a:t>function_type</a:t>
+              <a:t>file_type</a:t>
             </a:r>
             <a:endParaRPr lang="ko-KR" altLang="en-US" dirty="0"/>
           </a:p>
@@ -5972,7 +6628,7 @@
         <p:spPr>
           <a:xfrm>
             <a:off x="2399126" y="2556372"/>
-            <a:ext cx="998289" cy="155333"/>
+            <a:ext cx="998289" cy="281038"/>
           </a:xfrm>
           <a:prstGeom prst="line">
             <a:avLst/>
@@ -6201,23 +6857,7 @@
                   <a:schemeClr val="tx1"/>
                 </a:solidFill>
               </a:rPr>
-              <a:t>, pin, </a:t>
-            </a:r>
-            <a:r>
-              <a:rPr lang="en-US" altLang="ko-KR" b="1" dirty="0" err="1">
-                <a:solidFill>
-                  <a:schemeClr val="tx1"/>
-                </a:solidFill>
-              </a:rPr>
-              <a:t>app_settings_id</a:t>
-            </a:r>
-            <a:r>
-              <a:rPr lang="en-US" altLang="ko-KR" b="1" dirty="0">
-                <a:solidFill>
-                  <a:schemeClr val="tx1"/>
-                </a:solidFill>
-              </a:rPr>
-              <a:t>(F.K.)</a:t>
+              <a:t>, pin, name </a:t>
             </a:r>
             <a:endParaRPr lang="ko-KR" altLang="en-US" b="1" dirty="0">
               <a:solidFill>
@@ -6360,7 +7000,7 @@
               <a:defRPr lang="ko-KR" altLang="en-US"/>
             </a:pPr>
             <a:r>
-              <a:rPr lang="en-US" altLang="ko-KR" b="1" dirty="0">
+              <a:rPr lang="en-US" altLang="ko-KR" b="1" dirty="0" err="1">
                 <a:ln w="9525" cap="flat" cmpd="sng">
                   <a:solidFill>
                     <a:schemeClr val="tx1"/>
@@ -6372,7 +7012,7 @@
                   <a:schemeClr val="tx1"/>
                 </a:solidFill>
               </a:rPr>
-              <a:t>log</a:t>
+              <a:t>call_log</a:t>
             </a:r>
             <a:endParaRPr lang="ko-KR" altLang="en-US" b="1" dirty="0">
               <a:ln w="9525" cap="flat" cmpd="sng">
@@ -6444,7 +7084,7 @@
                   <a:schemeClr val="tx1"/>
                 </a:solidFill>
               </a:rPr>
-              <a:t>id</a:t>
+              <a:t>mac</a:t>
             </a:r>
             <a:r>
               <a:rPr lang="en-US" altLang="ko-KR" b="1" dirty="0">
@@ -6452,7 +7092,7 @@
                   <a:schemeClr val="tx1"/>
                 </a:solidFill>
               </a:rPr>
-              <a:t>, name, functions, </a:t>
+              <a:t>, type, </a:t>
             </a:r>
             <a:r>
               <a:rPr lang="en-US" altLang="ko-KR" b="1" dirty="0" err="1">
@@ -6549,7 +7189,7 @@
                   <a:schemeClr val="tx1"/>
                 </a:solidFill>
               </a:rPr>
-              <a:t>current_date</a:t>
+              <a:t>call_time</a:t>
             </a:r>
             <a:r>
               <a:rPr lang="en-US" altLang="ko-KR" b="1" dirty="0">
@@ -6565,7 +7205,7 @@
                   <a:schemeClr val="tx1"/>
                 </a:solidFill>
               </a:rPr>
-              <a:t>current_time</a:t>
+              <a:t>current_datetime</a:t>
             </a:r>
             <a:r>
               <a:rPr lang="en-US" altLang="ko-KR" b="1" dirty="0">
@@ -6573,7 +7213,177 @@
                   <a:schemeClr val="tx1"/>
                 </a:solidFill>
               </a:rPr>
-              <a:t>, memo </a:t>
+              <a:t> </a:t>
+            </a:r>
+            <a:endParaRPr lang="ko-KR" altLang="en-US" b="1" dirty="0">
+              <a:solidFill>
+                <a:schemeClr val="tx1"/>
+              </a:solidFill>
+            </a:endParaRPr>
+          </a:p>
+        </p:txBody>
+      </p:sp>
+      <p:sp>
+        <p:nvSpPr>
+          <p:cNvPr id="9" name="사각형: 빗면 8">
+            <a:extLst>
+              <a:ext uri="{FF2B5EF4-FFF2-40B4-BE49-F238E27FC236}">
+                <a16:creationId xmlns:a16="http://schemas.microsoft.com/office/drawing/2014/main" id="{32DBBB39-BEB6-4516-A6FF-8F91E9B88C83}"/>
+              </a:ext>
+            </a:extLst>
+          </p:cNvPr>
+          <p:cNvSpPr/>
+          <p:nvPr/>
+        </p:nvSpPr>
+        <p:spPr>
+          <a:xfrm>
+            <a:off x="1279953" y="4956003"/>
+            <a:ext cx="1609200" cy="864000"/>
+          </a:xfrm>
+          <a:prstGeom prst="bevel">
+            <a:avLst>
+              <a:gd name="adj" fmla="val 12500"/>
+            </a:avLst>
+          </a:prstGeom>
+          <a:solidFill>
+            <a:schemeClr val="bg1"/>
+          </a:solidFill>
+        </p:spPr>
+        <p:style>
+          <a:lnRef idx="2">
+            <a:schemeClr val="accent1">
+              <a:shade val="20000"/>
+            </a:schemeClr>
+          </a:lnRef>
+          <a:fillRef idx="1">
+            <a:schemeClr val="accent1"/>
+          </a:fillRef>
+          <a:effectRef idx="0">
+            <a:schemeClr val="accent1"/>
+          </a:effectRef>
+          <a:fontRef idx="minor">
+            <a:schemeClr val="lt1"/>
+          </a:fontRef>
+        </p:style>
+        <p:txBody>
+          <a:bodyPr vert="horz" wrap="square" lIns="91440" tIns="45720" rIns="91440" bIns="45720" anchor="ctr">
+            <a:noAutofit/>
+          </a:bodyPr>
+          <a:lstStyle/>
+          <a:p>
+            <a:pPr algn="ctr">
+              <a:defRPr lang="ko-KR" altLang="en-US"/>
+            </a:pPr>
+            <a:r>
+              <a:rPr lang="en-US" altLang="ko-KR" b="1" dirty="0">
+                <a:ln w="9525" cap="flat" cmpd="sng">
+                  <a:solidFill>
+                    <a:schemeClr val="tx1"/>
+                  </a:solidFill>
+                  <a:prstDash val="solid"/>
+                  <a:round/>
+                </a:ln>
+                <a:solidFill>
+                  <a:schemeClr val="tx1"/>
+                </a:solidFill>
+              </a:rPr>
+              <a:t>phone</a:t>
+            </a:r>
+            <a:endParaRPr lang="ko-KR" altLang="en-US" b="1" dirty="0">
+              <a:ln w="9525" cap="flat" cmpd="sng">
+                <a:solidFill>
+                  <a:schemeClr val="tx1"/>
+                </a:solidFill>
+                <a:prstDash val="solid"/>
+                <a:round/>
+              </a:ln>
+              <a:solidFill>
+                <a:schemeClr val="tx1"/>
+              </a:solidFill>
+            </a:endParaRPr>
+          </a:p>
+        </p:txBody>
+      </p:sp>
+      <p:sp>
+        <p:nvSpPr>
+          <p:cNvPr id="10" name="직사각형 9">
+            <a:extLst>
+              <a:ext uri="{FF2B5EF4-FFF2-40B4-BE49-F238E27FC236}">
+                <a16:creationId xmlns:a16="http://schemas.microsoft.com/office/drawing/2014/main" id="{EEC9ABCC-FE46-4BE9-B009-2F0A4ED40DC2}"/>
+              </a:ext>
+            </a:extLst>
+          </p:cNvPr>
+          <p:cNvSpPr/>
+          <p:nvPr/>
+        </p:nvSpPr>
+        <p:spPr>
+          <a:xfrm>
+            <a:off x="3625238" y="5022603"/>
+            <a:ext cx="7173526" cy="730800"/>
+          </a:xfrm>
+          <a:prstGeom prst="rect">
+            <a:avLst/>
+          </a:prstGeom>
+          <a:solidFill>
+            <a:schemeClr val="bg1"/>
+          </a:solidFill>
+        </p:spPr>
+        <p:style>
+          <a:lnRef idx="2">
+            <a:schemeClr val="accent1">
+              <a:shade val="20000"/>
+            </a:schemeClr>
+          </a:lnRef>
+          <a:fillRef idx="1">
+            <a:schemeClr val="accent1"/>
+          </a:fillRef>
+          <a:effectRef idx="0">
+            <a:schemeClr val="accent1"/>
+          </a:effectRef>
+          <a:fontRef idx="minor">
+            <a:schemeClr val="lt1"/>
+          </a:fontRef>
+        </p:style>
+        <p:txBody>
+          <a:bodyPr vert="horz" wrap="square" lIns="91440" tIns="45720" rIns="91440" bIns="45720" anchor="ctr">
+            <a:noAutofit/>
+          </a:bodyPr>
+          <a:lstStyle/>
+          <a:p>
+            <a:pPr algn="ctr">
+              <a:defRPr lang="ko-KR" altLang="en-US"/>
+            </a:pPr>
+            <a:r>
+              <a:rPr lang="en-US" altLang="ko-KR" b="1" u="sng" dirty="0" err="1">
+                <a:solidFill>
+                  <a:schemeClr val="tx1"/>
+                </a:solidFill>
+              </a:rPr>
+              <a:t>fcm_token</a:t>
+            </a:r>
+            <a:r>
+              <a:rPr lang="en-US" altLang="ko-KR" b="1" dirty="0">
+                <a:solidFill>
+                  <a:schemeClr val="tx1"/>
+                </a:solidFill>
+              </a:rPr>
+              <a:t>, model, </a:t>
+            </a:r>
+            <a:r>
+              <a:rPr lang="en-US" altLang="ko-KR" b="1" dirty="0" err="1">
+                <a:solidFill>
+                  <a:schemeClr val="tx1"/>
+                </a:solidFill>
+              </a:rPr>
+              <a:t>user_id</a:t>
+            </a:r>
+            <a:r>
+              <a:rPr lang="en-US" altLang="ko-KR" b="1" dirty="0">
+                <a:solidFill>
+                  <a:schemeClr val="tx1"/>
+                </a:solidFill>
+              </a:rPr>
+              <a:t>(F.K) </a:t>
             </a:r>
             <a:endParaRPr lang="ko-KR" altLang="en-US" b="1" dirty="0">
               <a:solidFill>
@@ -6711,7 +7521,7 @@
                   <a:schemeClr val="tx1"/>
                 </a:solidFill>
               </a:rPr>
-              <a:t>writes</a:t>
+              <a:t>write</a:t>
             </a:r>
             <a:endParaRPr lang="ko-KR" altLang="en-US" b="1" dirty="0">
               <a:ln w="9525" cap="flat" cmpd="sng">
@@ -6778,20 +7588,12 @@
               <a:defRPr lang="ko-KR" altLang="en-US"/>
             </a:pPr>
             <a:r>
-              <a:rPr lang="en-US" altLang="ko-KR" b="1" u="sng" dirty="0" err="1">
-                <a:solidFill>
-                  <a:schemeClr val="tx1"/>
-                </a:solidFill>
-              </a:rPr>
-              <a:t>device_id</a:t>
-            </a:r>
-            <a:r>
               <a:rPr lang="en-US" altLang="ko-KR" b="1" u="sng" dirty="0">
                 <a:solidFill>
                   <a:schemeClr val="tx1"/>
                 </a:solidFill>
               </a:rPr>
-              <a:t>, </a:t>
+              <a:t>mac, </a:t>
             </a:r>
             <a:r>
               <a:rPr lang="en-US" altLang="ko-KR" b="1" u="sng" dirty="0" err="1">
@@ -6815,7 +7617,7 @@
                   <a:schemeClr val="tx1"/>
                 </a:solidFill>
               </a:rPr>
-              <a:t>function_type</a:t>
+              <a:t>file_type</a:t>
             </a:r>
             <a:r>
               <a:rPr lang="en-US" altLang="ko-KR" b="1" dirty="0">
@@ -6964,21 +7766,8 @@
           <a:p>
             <a:r>
               <a:rPr lang="en-US" altLang="ko-KR" b="1" dirty="0"/>
-              <a:t>	</a:t>
-            </a:r>
-            <a:r>
-              <a:rPr lang="en-US" altLang="ko-KR" b="1" dirty="0" err="1"/>
-              <a:t>fcm_token</a:t>
-            </a:r>
-            <a:r>
-              <a:rPr lang="en-US" altLang="ko-KR" b="1" dirty="0"/>
-              <a:t>		</a:t>
-            </a:r>
-            <a:r>
-              <a:rPr lang="en-US" altLang="ko-KR" b="1"/>
-              <a:t>varchar(200),</a:t>
-            </a:r>
-            <a:endParaRPr lang="en-US" altLang="ko-KR" b="1" dirty="0"/>
+              <a:t>	name			varchar(200),</a:t>
+            </a:r>
           </a:p>
           <a:p>
             <a:r>
@@ -7074,7 +7863,7 @@
         <p:spPr>
           <a:xfrm>
             <a:off x="998376" y="1464906"/>
-            <a:ext cx="10355424" cy="2585323"/>
+            <a:ext cx="10355424" cy="2308324"/>
           </a:xfrm>
           <a:prstGeom prst="rect">
             <a:avLst/>
@@ -7114,19 +7903,13 @@
           <a:p>
             <a:r>
               <a:rPr lang="en-US" altLang="ko-KR" b="1" dirty="0"/>
-              <a:t>	id			varchar(20) not null,</a:t>
+              <a:t>	mac			varchar(20) not null,</a:t>
             </a:r>
           </a:p>
           <a:p>
             <a:r>
               <a:rPr lang="en-US" altLang="ko-KR" b="1" dirty="0"/>
-              <a:t>	name			varchar(20),</a:t>
-            </a:r>
-          </a:p>
-          <a:p>
-            <a:r>
-              <a:rPr lang="en-US" altLang="ko-KR" b="1" dirty="0"/>
-              <a:t>	functions		varchar(45),</a:t>
+              <a:t>	type			varchar(20),</a:t>
             </a:r>
           </a:p>
           <a:p>
@@ -7146,7 +7929,7 @@
           <a:p>
             <a:r>
               <a:rPr lang="en-US" altLang="ko-KR" b="1" dirty="0"/>
-              <a:t>	primary key(id),</a:t>
+              <a:t>	primary key(mac),</a:t>
             </a:r>
           </a:p>
           <a:p>
@@ -7160,7 +7943,7 @@
             </a:r>
             <a:r>
               <a:rPr lang="en-US" altLang="ko-KR" b="1" dirty="0"/>
-              <a:t>) references User(id)</a:t>
+              <a:t>) references user(id)</a:t>
             </a:r>
           </a:p>
           <a:p>
@@ -7251,7 +8034,7 @@
         <p:spPr>
           <a:xfrm>
             <a:off x="998376" y="1464906"/>
-            <a:ext cx="10355424" cy="2031325"/>
+            <a:ext cx="10355424" cy="2308324"/>
           </a:xfrm>
           <a:prstGeom prst="rect">
             <a:avLst/>
@@ -7279,7 +8062,7 @@
           <a:p>
             <a:r>
               <a:rPr lang="en-US" altLang="ko-KR" b="1" dirty="0"/>
-              <a:t>Create table log</a:t>
+              <a:t>Create table phone</a:t>
             </a:r>
           </a:p>
           <a:p>
@@ -7291,23 +8074,7 @@
           <a:p>
             <a:r>
               <a:rPr lang="en-US" altLang="ko-KR" b="1" dirty="0"/>
-              <a:t>	</a:t>
-            </a:r>
-            <a:r>
-              <a:rPr lang="en-US" altLang="ko-KR" b="1" dirty="0" err="1"/>
-              <a:t>log_no</a:t>
-            </a:r>
-            <a:r>
-              <a:rPr lang="en-US" altLang="ko-KR" b="1" dirty="0"/>
-              <a:t>			int not null </a:t>
-            </a:r>
-            <a:r>
-              <a:rPr lang="en-US" altLang="ko-KR" b="1" dirty="0" err="1"/>
-              <a:t>auto_increment</a:t>
-            </a:r>
-            <a:r>
-              <a:rPr lang="en-US" altLang="ko-KR" b="1" dirty="0"/>
-              <a:t>,</a:t>
+              <a:t>	model			varchar(20) not null,</a:t>
             </a:r>
           </a:p>
           <a:p>
@@ -7317,17 +8084,25 @@
             </a:r>
             <a:r>
               <a:rPr lang="en-US" altLang="ko-KR" b="1" dirty="0" err="1"/>
-              <a:t>current_datetime</a:t>
+              <a:t>fcm_token</a:t>
             </a:r>
             <a:r>
               <a:rPr lang="en-US" altLang="ko-KR" b="1" dirty="0"/>
-              <a:t>	datetime,</a:t>
+              <a:t>		varchar(20) not null,</a:t>
             </a:r>
           </a:p>
           <a:p>
             <a:r>
               <a:rPr lang="en-US" altLang="ko-KR" b="1" dirty="0"/>
-              <a:t>	memo			varchar(45),</a:t>
+              <a:t>	</a:t>
+            </a:r>
+            <a:r>
+              <a:rPr lang="en-US" altLang="ko-KR" b="1" dirty="0" err="1"/>
+              <a:t>user_id</a:t>
+            </a:r>
+            <a:r>
+              <a:rPr lang="en-US" altLang="ko-KR" b="1" dirty="0"/>
+              <a:t>			varchar(20) not null,</a:t>
             </a:r>
           </a:p>
           <a:p>
@@ -7337,11 +8112,25 @@
             </a:r>
             <a:r>
               <a:rPr lang="en-US" altLang="ko-KR" b="1" dirty="0" err="1"/>
-              <a:t>log_no</a:t>
+              <a:t>fcm_token</a:t>
             </a:r>
             <a:r>
               <a:rPr lang="en-US" altLang="ko-KR" b="1" dirty="0"/>
-              <a:t>)</a:t>
+              <a:t>),</a:t>
+            </a:r>
+          </a:p>
+          <a:p>
+            <a:r>
+              <a:rPr lang="en-US" altLang="ko-KR" b="1" dirty="0"/>
+              <a:t>	foreign key(</a:t>
+            </a:r>
+            <a:r>
+              <a:rPr lang="en-US" altLang="ko-KR" b="1" dirty="0" err="1"/>
+              <a:t>user_id</a:t>
+            </a:r>
+            <a:r>
+              <a:rPr lang="en-US" altLang="ko-KR" b="1" dirty="0"/>
+              <a:t>) references user(id)</a:t>
             </a:r>
           </a:p>
           <a:p>
@@ -7356,7 +8145,7 @@
     </p:spTree>
     <p:extLst>
       <p:ext uri="{BB962C8B-B14F-4D97-AF65-F5344CB8AC3E}">
-        <p14:creationId xmlns:p14="http://schemas.microsoft.com/office/powerpoint/2010/main" val="3769595822"/>
+        <p14:creationId xmlns:p14="http://schemas.microsoft.com/office/powerpoint/2010/main" val="1007991910"/>
       </p:ext>
     </p:extLst>
   </p:cSld>
